--- a/Lightning Talk02.pptx
+++ b/Lightning Talk02.pptx
@@ -21,10 +21,6 @@
     <p:sldId id="266" r:id="rId18"/>
     <p:sldId id="267" r:id="rId19"/>
     <p:sldId id="268" r:id="rId20"/>
-    <p:sldId id="269" r:id="rId21"/>
-    <p:sldId id="270" r:id="rId22"/>
-    <p:sldId id="271" r:id="rId23"/>
-    <p:sldId id="272" r:id="rId24"/>
   </p:sldIdLst>
   <p:sldSz cx="24384000" cy="13716000"/>
   <p:notesSz cx="6858000" cy="9144000"/>
@@ -4279,7 +4275,7 @@
       </p:grpSpPr>
       <p:sp>
         <p:nvSpPr>
-          <p:cNvPr id="236" name="Set Comprehension"/>
+          <p:cNvPr id="243" name="Python Comprehensions"/>
           <p:cNvSpPr txBox="1"/>
           <p:nvPr>
             <p:ph type="title"/>
@@ -4296,14 +4292,14 @@
           <a:p>
             <a:pPr/>
             <a:r>
-              <a:t>Set Comprehension</a:t>
-            </a:r>
-          </a:p>
-        </p:txBody>
-      </p:sp>
-      <p:sp>
-        <p:nvSpPr>
-          <p:cNvPr id="237" name="Why?"/>
+              <a:t>Python Comprehensions</a:t>
+            </a:r>
+          </a:p>
+        </p:txBody>
+      </p:sp>
+      <p:sp>
+        <p:nvSpPr>
+          <p:cNvPr id="244" name="Why?"/>
           <p:cNvSpPr txBox="1"/>
           <p:nvPr>
             <p:ph type="body" idx="21"/>
@@ -4332,17 +4328,13 @@
       </p:sp>
       <p:sp>
         <p:nvSpPr>
-          <p:cNvPr id="238" name="Automatically removes duplicates…"/>
+          <p:cNvPr id="245" name="Shorter and cleaner than traditional loops…"/>
           <p:cNvSpPr txBox="1"/>
           <p:nvPr>
             <p:ph type="body" idx="1"/>
           </p:nvPr>
         </p:nvSpPr>
         <p:spPr>
-          <a:xfrm>
-            <a:off x="1386381" y="4248504"/>
-            <a:ext cx="21971001" cy="8256012"/>
-          </a:xfrm>
           <a:prstGeom prst="rect">
             <a:avLst/>
           </a:prstGeom>
@@ -4353,13 +4345,25 @@
           <a:p>
             <a:pPr/>
             <a:r>
-              <a:t>Automatically removes duplicates</a:t>
+              <a:t>Shorter and cleaner than traditional loops</a:t>
             </a:r>
           </a:p>
           <a:p>
             <a:pPr/>
             <a:r>
-              <a:t>Keeps code concise and readable</a:t>
+              <a:t>Improves code readability</a:t>
+            </a:r>
+          </a:p>
+          <a:p>
+            <a:pPr/>
+            <a:r>
+              <a:t>Efficient for generating or filtering elements</a:t>
+            </a:r>
+          </a:p>
+          <a:p>
+            <a:pPr/>
+            <a:r>
+              <a:t>Concise way to handle lists, sets, or dicts</a:t>
             </a:r>
           </a:p>
         </p:txBody>
@@ -4403,7 +4407,7 @@
                                       <p:cBhvr>
                                         <p:cTn id="6" fill="hold"/>
                                         <p:tgtEl>
-                                          <p:spTgt spid="238"/>
+                                          <p:spTgt spid="245"/>
                                         </p:tgtEl>
                                         <p:attrNameLst>
                                           <p:attrName>style.visibility</p:attrName>
@@ -4444,7 +4448,7 @@
       </p:par>
     </p:tnLst>
     <p:bldLst>
-      <p:bldP build="whole" bldLvl="1" animBg="1" rev="0" advAuto="0" spid="238" grpId="1"/>
+      <p:bldP build="whole" bldLvl="1" animBg="1" rev="0" advAuto="0" spid="245" grpId="1"/>
     </p:bldLst>
   </p:timing>
 </p:sld>
@@ -4469,7 +4473,7 @@
       </p:grpSpPr>
       <p:sp>
         <p:nvSpPr>
-          <p:cNvPr id="240" name="Set Comprehension"/>
+          <p:cNvPr id="247" name="Python Comprehensions"/>
           <p:cNvSpPr txBox="1"/>
           <p:nvPr>
             <p:ph type="title"/>
@@ -4486,14 +4490,14 @@
           <a:p>
             <a:pPr/>
             <a:r>
-              <a:t>Set Comprehension</a:t>
-            </a:r>
-          </a:p>
-        </p:txBody>
-      </p:sp>
-      <p:sp>
-        <p:nvSpPr>
-          <p:cNvPr id="241" name="When?"/>
+              <a:t>Python Comprehensions</a:t>
+            </a:r>
+          </a:p>
+        </p:txBody>
+      </p:sp>
+      <p:sp>
+        <p:nvSpPr>
+          <p:cNvPr id="248" name="When?"/>
           <p:cNvSpPr txBox="1"/>
           <p:nvPr>
             <p:ph type="body" idx="21"/>
@@ -4522,13 +4526,17 @@
       </p:sp>
       <p:sp>
         <p:nvSpPr>
-          <p:cNvPr id="242" name="Need a collection of unique unordered elements…"/>
+          <p:cNvPr id="249" name="List Comprehension: Generate ordered sequences…"/>
           <p:cNvSpPr txBox="1"/>
           <p:nvPr>
             <p:ph type="body" idx="1"/>
           </p:nvPr>
         </p:nvSpPr>
         <p:spPr>
+          <a:xfrm>
+            <a:off x="1131549" y="4248504"/>
+            <a:ext cx="23152414" cy="8256012"/>
+          </a:xfrm>
           <a:prstGeom prst="rect">
             <a:avLst/>
           </a:prstGeom>
@@ -4539,20 +4547,40 @@
           <a:p>
             <a:pPr/>
             <a:r>
-              <a:t>Need a collection of </a:t>
+              <a:t>List Comprehension: Generate </a:t>
             </a:r>
             <a:r>
               <a:rPr b="1"/>
-              <a:t>unique unordered</a:t>
-            </a:r>
-            <a:r>
-              <a:t> elements</a:t>
+              <a:t>ordered </a:t>
+            </a:r>
+            <a:r>
+              <a:t>sequences</a:t>
             </a:r>
           </a:p>
           <a:p>
             <a:pPr/>
             <a:r>
-              <a:t>Transforming elements while eliminating duplicates</a:t>
+              <a:t>Set Comprehension: </a:t>
+            </a:r>
+            <a:r>
+              <a:rPr b="1"/>
+              <a:t>Remove duplicates</a:t>
+            </a:r>
+            <a:r>
+              <a:t> automatically/fast membership checks</a:t>
+            </a:r>
+          </a:p>
+          <a:p>
+            <a:pPr/>
+            <a:r>
+              <a:t>Dict Comprehension: Create </a:t>
+            </a:r>
+            <a:r>
+              <a:rPr b="1"/>
+              <a:t>key-value</a:t>
+            </a:r>
+            <a:r>
+              <a:t> mappings easily</a:t>
             </a:r>
           </a:p>
         </p:txBody>
@@ -4596,7 +4624,7 @@
                                       <p:cBhvr>
                                         <p:cTn id="6" fill="hold"/>
                                         <p:tgtEl>
-                                          <p:spTgt spid="242"/>
+                                          <p:spTgt spid="249"/>
                                         </p:tgtEl>
                                         <p:attrNameLst>
                                           <p:attrName>style.visibility</p:attrName>
@@ -4637,7 +4665,7 @@
       </p:par>
     </p:tnLst>
     <p:bldLst>
-      <p:bldP build="whole" bldLvl="1" animBg="1" rev="0" advAuto="0" spid="242" grpId="1"/>
+      <p:bldP build="whole" bldLvl="1" animBg="1" rev="0" advAuto="0" spid="249" grpId="1"/>
     </p:bldLst>
   </p:timing>
 </p:sld>
@@ -4662,7 +4690,7 @@
       </p:grpSpPr>
       <p:sp>
         <p:nvSpPr>
-          <p:cNvPr id="244" name="Dictionary Comprehension"/>
+          <p:cNvPr id="251" name="Python Comprehensions"/>
           <p:cNvSpPr txBox="1"/>
           <p:nvPr>
             <p:ph type="title"/>
@@ -4679,20 +4707,24 @@
           <a:p>
             <a:pPr/>
             <a:r>
-              <a:t>Dictionary Comprehension</a:t>
-            </a:r>
-          </a:p>
-        </p:txBody>
-      </p:sp>
-      <p:sp>
-        <p:nvSpPr>
-          <p:cNvPr id="245" name="What?"/>
+              <a:t>Python Comprehensions</a:t>
+            </a:r>
+          </a:p>
+        </p:txBody>
+      </p:sp>
+      <p:sp>
+        <p:nvSpPr>
+          <p:cNvPr id="252" name="Syntax"/>
           <p:cNvSpPr txBox="1"/>
           <p:nvPr>
             <p:ph type="body" idx="21"/>
           </p:nvPr>
         </p:nvSpPr>
         <p:spPr>
+          <a:xfrm>
+            <a:off x="1206500" y="2249296"/>
+            <a:ext cx="21971000" cy="934780"/>
+          </a:xfrm>
           <a:prstGeom prst="rect">
             <a:avLst/>
           </a:prstGeom>
@@ -4708,21 +4740,57 @@
           <a:p>
             <a:pPr/>
             <a:r>
-              <a:t>What?</a:t>
-            </a:r>
-          </a:p>
-        </p:txBody>
-      </p:sp>
-      <p:sp>
-        <p:nvSpPr>
-          <p:cNvPr id="246" name="Dictionary comprehension lets you build a dictionary from an iterable in a single line, mapping keys to values.…"/>
+              <a:t>Syntax</a:t>
+            </a:r>
+          </a:p>
+        </p:txBody>
+      </p:sp>
+      <p:sp>
+        <p:nvSpPr>
+          <p:cNvPr id="253" name="[ expression for item in iterable if condition ]…"/>
+          <p:cNvSpPr txBox="1"/>
+          <p:nvPr>
+            <p:ph type="body" idx="1"/>
+          </p:nvPr>
+        </p:nvSpPr>
+        <p:spPr>
+          <a:prstGeom prst="rect">
+            <a:avLst/>
+          </a:prstGeom>
+        </p:spPr>
+        <p:txBody>
+          <a:bodyPr/>
+          <a:lstStyle/>
+          <a:p>
+            <a:pPr/>
+            <a:r>
+              <a:t>[ expression for item in iterable if condition ]</a:t>
+            </a:r>
+          </a:p>
+          <a:p>
+            <a:pPr/>
+            <a:r>
+              <a:t>{ expression for item in iterable if condition }</a:t>
+            </a:r>
+          </a:p>
+          <a:p>
+            <a:pPr/>
+            <a:r>
+              <a:t>{ key_expr : value_expr for item in iterable if condition }</a:t>
+            </a:r>
+          </a:p>
+        </p:txBody>
+      </p:sp>
+      <p:sp>
+        <p:nvSpPr>
+          <p:cNvPr id="254" name="List Comprehension"/>
           <p:cNvSpPr txBox="1"/>
           <p:nvPr/>
         </p:nvSpPr>
         <p:spPr>
           <a:xfrm>
-            <a:off x="1131549" y="4248504"/>
-            <a:ext cx="16748567" cy="8256012"/>
+            <a:off x="17602196" y="4100328"/>
+            <a:ext cx="5579975" cy="808433"/>
           </a:xfrm>
           <a:prstGeom prst="rect">
             <a:avLst/>
@@ -4737,120 +4805,87 @@
           </a:extLst>
         </p:spPr>
         <p:txBody>
-          <a:bodyPr lIns="50800" tIns="50800" rIns="50800" bIns="50800">
-            <a:normAutofit fontScale="100000" lnSpcReduction="0"/>
+          <a:bodyPr wrap="none" lIns="50800" tIns="50800" rIns="50800" bIns="50800" anchor="ctr">
+            <a:spAutoFit/>
           </a:bodyPr>
           <a:lstStyle/>
           <a:p>
-            <a:pPr defTabSz="388620">
-              <a:lnSpc>
-                <a:spcPct val="100000"/>
-              </a:lnSpc>
-              <a:spcBef>
-                <a:spcPts val="0"/>
-              </a:spcBef>
-              <a:defRPr sz="5780">
-                <a:latin typeface="Helvetica"/>
-                <a:ea typeface="Helvetica"/>
-                <a:cs typeface="Helvetica"/>
-                <a:sym typeface="Helvetica"/>
-              </a:defRPr>
-            </a:pPr>
-            <a:r>
-              <a:t>Dictionary comprehension lets you build a dictionary from an iterable in a single line, mapping keys to values.</a:t>
-            </a:r>
-          </a:p>
-          <a:p>
-            <a:pPr defTabSz="388620">
-              <a:lnSpc>
-                <a:spcPct val="100000"/>
-              </a:lnSpc>
-              <a:spcBef>
-                <a:spcPts val="0"/>
-              </a:spcBef>
-              <a:defRPr sz="5780">
-                <a:latin typeface="Helvetica"/>
-                <a:ea typeface="Helvetica"/>
-                <a:cs typeface="Helvetica"/>
-                <a:sym typeface="Helvetica"/>
-              </a:defRPr>
-            </a:pPr>
-          </a:p>
-          <a:p>
-            <a:pPr defTabSz="388620">
-              <a:lnSpc>
-                <a:spcPct val="100000"/>
-              </a:lnSpc>
-              <a:spcBef>
-                <a:spcPts val="0"/>
-              </a:spcBef>
-              <a:defRPr sz="5780">
-                <a:latin typeface="Helvetica"/>
-                <a:ea typeface="Helvetica"/>
-                <a:cs typeface="Helvetica"/>
-                <a:sym typeface="Helvetica"/>
-              </a:defRPr>
-            </a:pPr>
-          </a:p>
-          <a:p>
-            <a:pPr defTabSz="388620">
-              <a:lnSpc>
-                <a:spcPct val="100000"/>
-              </a:lnSpc>
-              <a:spcBef>
-                <a:spcPts val="0"/>
-              </a:spcBef>
-              <a:defRPr sz="5780">
-                <a:latin typeface="Helvetica"/>
-                <a:ea typeface="Helvetica"/>
-                <a:cs typeface="Helvetica"/>
-                <a:sym typeface="Helvetica"/>
-              </a:defRPr>
-            </a:pPr>
-          </a:p>
-          <a:p>
-            <a:pPr lvl="8" indent="3108960" defTabSz="388620">
-              <a:lnSpc>
-                <a:spcPct val="100000"/>
-              </a:lnSpc>
-              <a:spcBef>
-                <a:spcPts val="0"/>
-              </a:spcBef>
-              <a:defRPr sz="4080">
-                <a:latin typeface="Helvetica"/>
-                <a:ea typeface="Helvetica"/>
-                <a:cs typeface="Helvetica"/>
-                <a:sym typeface="Helvetica"/>
-              </a:defRPr>
-            </a:pPr>
-            <a:r>
-              <a:t>-Based on: </a:t>
-            </a:r>
-            <a:r>
-              <a:rPr u="sng">
-                <a:hlinkClick r:id="rId2" invalidUrl="" action="" tgtFrame="" tooltip="" history="1" highlightClick="0" endSnd="0"/>
-              </a:rPr>
-              <a:t>Python Docs, Data Structure</a:t>
-            </a:r>
-            <a:r>
-              <a:t> 5.5 Dictionaries</a:t>
-            </a:r>
-          </a:p>
-          <a:p>
-            <a:pPr defTabSz="388620">
-              <a:lnSpc>
-                <a:spcPct val="100000"/>
-              </a:lnSpc>
-              <a:spcBef>
-                <a:spcPts val="0"/>
-              </a:spcBef>
-              <a:defRPr sz="5780">
-                <a:latin typeface="Helvetica"/>
-                <a:ea typeface="Helvetica"/>
-                <a:cs typeface="Helvetica"/>
-                <a:sym typeface="Helvetica"/>
-              </a:defRPr>
-            </a:pPr>
+            <a:pPr/>
+            <a:r>
+              <a:t>List Comprehension</a:t>
+            </a:r>
+          </a:p>
+        </p:txBody>
+      </p:sp>
+      <p:sp>
+        <p:nvSpPr>
+          <p:cNvPr id="255" name="Set Comprehension"/>
+          <p:cNvSpPr txBox="1"/>
+          <p:nvPr/>
+        </p:nvSpPr>
+        <p:spPr>
+          <a:xfrm>
+            <a:off x="17602196" y="5441532"/>
+            <a:ext cx="5523282" cy="808432"/>
+          </a:xfrm>
+          <a:prstGeom prst="rect">
+            <a:avLst/>
+          </a:prstGeom>
+          <a:ln w="12700">
+            <a:miter lim="400000"/>
+          </a:ln>
+          <a:extLst>
+            <a:ext uri="{C572A759-6A51-4108-AA02-DFA0A04FC94B}">
+              <ma14:wrappingTextBoxFlag xmlns:ma14="http://schemas.microsoft.com/office/mac/drawingml/2011/main" val="1"/>
+            </a:ext>
+          </a:extLst>
+        </p:spPr>
+        <p:txBody>
+          <a:bodyPr wrap="none" lIns="50800" tIns="50800" rIns="50800" bIns="50800" anchor="ctr">
+            <a:spAutoFit/>
+          </a:bodyPr>
+          <a:lstStyle/>
+          <a:p>
+            <a:pPr/>
+            <a:r>
+              <a:t>Set Comprehension</a:t>
+            </a:r>
+          </a:p>
+        </p:txBody>
+      </p:sp>
+      <p:sp>
+        <p:nvSpPr>
+          <p:cNvPr id="256" name="Dictionary Comprehension"/>
+          <p:cNvSpPr txBox="1"/>
+          <p:nvPr/>
+        </p:nvSpPr>
+        <p:spPr>
+          <a:xfrm>
+            <a:off x="17002591" y="6782735"/>
+            <a:ext cx="7352082" cy="808432"/>
+          </a:xfrm>
+          <a:prstGeom prst="rect">
+            <a:avLst/>
+          </a:prstGeom>
+          <a:ln w="12700">
+            <a:miter lim="400000"/>
+          </a:ln>
+          <a:extLst>
+            <a:ext uri="{C572A759-6A51-4108-AA02-DFA0A04FC94B}">
+              <ma14:wrappingTextBoxFlag xmlns:ma14="http://schemas.microsoft.com/office/mac/drawingml/2011/main" val="1"/>
+            </a:ext>
+          </a:extLst>
+        </p:spPr>
+        <p:txBody>
+          <a:bodyPr wrap="none" lIns="50800" tIns="50800" rIns="50800" bIns="50800" anchor="ctr">
+            <a:spAutoFit/>
+          </a:bodyPr>
+          <a:lstStyle/>
+          <a:p>
+            <a:pPr/>
+            <a:r>
+              <a:t>Dictionary Comprehension</a:t>
+            </a:r>
           </a:p>
         </p:txBody>
       </p:sp>
@@ -4893,395 +4928,7 @@
                                       <p:cBhvr>
                                         <p:cTn id="6" fill="hold"/>
                                         <p:tgtEl>
-                                          <p:spTgt spid="246"/>
-                                        </p:tgtEl>
-                                        <p:attrNameLst>
-                                          <p:attrName>style.visibility</p:attrName>
-                                        </p:attrNameLst>
-                                      </p:cBhvr>
-                                      <p:to>
-                                        <p:strVal val="visible"/>
-                                      </p:to>
-                                    </p:set>
-                                  </p:childTnLst>
-                                </p:cTn>
-                              </p:par>
-                            </p:childTnLst>
-                          </p:cTn>
-                        </p:par>
-                      </p:childTnLst>
-                    </p:cTn>
-                  </p:par>
-                </p:childTnLst>
-              </p:cTn>
-              <p:prevCondLst>
-                <p:cond evt="onPrev">
-                  <p:tgtEl>
-                    <p:sldTgt/>
-                  </p:tgtEl>
-                </p:cond>
-              </p:prevCondLst>
-              <p:nextCondLst>
-                <p:cond evt="onNext">
-                  <p:tgtEl>
-                    <p:sldTgt/>
-                  </p:tgtEl>
-                </p:cond>
-              </p:nextCondLst>
-            </p:seq>
-          </p:childTnLst>
-        </p:cTn>
-      </p:par>
-    </p:tnLst>
-    <p:bldLst>
-      <p:bldP build="whole" bldLvl="1" animBg="1" rev="0" advAuto="0" spid="246" grpId="1"/>
-    </p:bldLst>
-  </p:timing>
-</p:sld>
-</file>
-
-<file path=ppt/slides/slide13.xml><?xml version="1.0" encoding="utf-8"?>
-<p:sld xmlns:a="http://schemas.openxmlformats.org/drawingml/2006/main" xmlns:r="http://schemas.openxmlformats.org/officeDocument/2006/relationships" xmlns:p="http://schemas.openxmlformats.org/presentationml/2006/main" xmlns:m="http://schemas.openxmlformats.org/officeDocument/2006/math" xmlns:a14="http://schemas.microsoft.com/office/drawing/2010/main" showMasterSp="1" showMasterPhAnim="1">
-  <p:cSld>
-    <p:spTree>
-      <p:nvGrpSpPr>
-        <p:cNvPr id="1" name=""/>
-        <p:cNvGrpSpPr/>
-        <p:nvPr/>
-      </p:nvGrpSpPr>
-      <p:grpSpPr>
-        <a:xfrm>
-          <a:off x="0" y="0"/>
-          <a:ext cx="0" cy="0"/>
-          <a:chOff x="0" y="0"/>
-          <a:chExt cx="0" cy="0"/>
-        </a:xfrm>
-      </p:grpSpPr>
-      <p:sp>
-        <p:nvSpPr>
-          <p:cNvPr id="248" name="Dictionary Comprehension"/>
-          <p:cNvSpPr txBox="1"/>
-          <p:nvPr>
-            <p:ph type="title"/>
-          </p:nvPr>
-        </p:nvSpPr>
-        <p:spPr>
-          <a:prstGeom prst="rect">
-            <a:avLst/>
-          </a:prstGeom>
-        </p:spPr>
-        <p:txBody>
-          <a:bodyPr/>
-          <a:lstStyle/>
-          <a:p>
-            <a:pPr/>
-            <a:r>
-              <a:t>Dictionary Comprehension</a:t>
-            </a:r>
-          </a:p>
-        </p:txBody>
-      </p:sp>
-      <p:sp>
-        <p:nvSpPr>
-          <p:cNvPr id="249" name="Examples"/>
-          <p:cNvSpPr txBox="1"/>
-          <p:nvPr>
-            <p:ph type="body" idx="21"/>
-          </p:nvPr>
-        </p:nvSpPr>
-        <p:spPr>
-          <a:prstGeom prst="rect">
-            <a:avLst/>
-          </a:prstGeom>
-          <a:extLst>
-            <a:ext uri="{C572A759-6A51-4108-AA02-DFA0A04FC94B}">
-              <ma14:wrappingTextBoxFlag xmlns:ma14="http://schemas.microsoft.com/office/mac/drawingml/2011/main" val="1"/>
-            </a:ext>
-          </a:extLst>
-        </p:spPr>
-        <p:txBody>
-          <a:bodyPr/>
-          <a:lstStyle/>
-          <a:p>
-            <a:pPr/>
-            <a:r>
-              <a:t>Examples</a:t>
-            </a:r>
-          </a:p>
-        </p:txBody>
-      </p:sp>
-      <p:pic>
-        <p:nvPicPr>
-          <p:cNvPr id="250" name="Screenshot 2025-09-24 at 12.55.23 AM.png" descr="Screenshot 2025-09-24 at 12.55.23 AM.png"/>
-          <p:cNvPicPr>
-            <a:picLocks noChangeAspect="1"/>
-          </p:cNvPicPr>
-          <p:nvPr/>
-        </p:nvPicPr>
-        <p:blipFill>
-          <a:blip r:embed="rId2">
-            <a:extLst/>
-          </a:blip>
-          <a:stretch>
-            <a:fillRect/>
-          </a:stretch>
-        </p:blipFill>
-        <p:spPr>
-          <a:xfrm>
-            <a:off x="1213863" y="3693598"/>
-            <a:ext cx="6241742" cy="2716994"/>
-          </a:xfrm>
-          <a:prstGeom prst="rect">
-            <a:avLst/>
-          </a:prstGeom>
-          <a:ln w="12700">
-            <a:miter lim="400000"/>
-          </a:ln>
-        </p:spPr>
-      </p:pic>
-      <p:pic>
-        <p:nvPicPr>
-          <p:cNvPr id="251" name="Screenshot 2025-09-24 at 12.57.03 AM.png" descr="Screenshot 2025-09-24 at 12.57.03 AM.png"/>
-          <p:cNvPicPr>
-            <a:picLocks noChangeAspect="1"/>
-          </p:cNvPicPr>
-          <p:nvPr/>
-        </p:nvPicPr>
-        <p:blipFill>
-          <a:blip r:embed="rId3">
-            <a:extLst/>
-          </a:blip>
-          <a:stretch>
-            <a:fillRect/>
-          </a:stretch>
-        </p:blipFill>
-        <p:spPr>
-          <a:xfrm>
-            <a:off x="10644994" y="4219386"/>
-            <a:ext cx="11836401" cy="1054101"/>
-          </a:xfrm>
-          <a:prstGeom prst="rect">
-            <a:avLst/>
-          </a:prstGeom>
-          <a:ln w="12700">
-            <a:miter lim="400000"/>
-          </a:ln>
-        </p:spPr>
-      </p:pic>
-      <p:sp>
-        <p:nvSpPr>
-          <p:cNvPr id="252" name="c# {'h': 1, 'e': 1, 'l': 2, 'o': 1}"/>
-          <p:cNvSpPr/>
-          <p:nvPr/>
-        </p:nvSpPr>
-        <p:spPr>
-          <a:xfrm>
-            <a:off x="9141335" y="4111436"/>
-            <a:ext cx="1270001" cy="1270001"/>
-          </a:xfrm>
-          <a:prstGeom prst="rightArrow">
-            <a:avLst>
-              <a:gd name="adj1" fmla="val 32000"/>
-              <a:gd name="adj2" fmla="val 64000"/>
-            </a:avLst>
-          </a:prstGeom>
-          <a:solidFill>
-            <a:srgbClr val="FFFFFF"/>
-          </a:solidFill>
-          <a:ln w="12700">
-            <a:miter lim="400000"/>
-          </a:ln>
-          <a:extLst>
-            <a:ext uri="{C572A759-6A51-4108-AA02-DFA0A04FC94B}">
-              <ma14:wrappingTextBoxFlag xmlns:ma14="http://schemas.microsoft.com/office/mac/drawingml/2011/main" val="1"/>
-            </a:ext>
-          </a:extLst>
-        </p:spPr>
-        <p:txBody>
-          <a:bodyPr lIns="50800" tIns="50800" rIns="50800" bIns="50800" anchor="ctr"/>
-          <a:lstStyle>
-            <a:lvl1pPr algn="ctr" defTabSz="825500">
-              <a:lnSpc>
-                <a:spcPct val="100000"/>
-              </a:lnSpc>
-              <a:spcBef>
-                <a:spcPts val="0"/>
-              </a:spcBef>
-              <a:defRPr sz="3200">
-                <a:solidFill>
-                  <a:srgbClr val="000000"/>
-                </a:solidFill>
-                <a:latin typeface="Helvetica Neue Medium"/>
-                <a:ea typeface="Helvetica Neue Medium"/>
-                <a:cs typeface="Helvetica Neue Medium"/>
-                <a:sym typeface="Helvetica Neue Medium"/>
-              </a:defRPr>
-            </a:lvl1pPr>
-          </a:lstStyle>
-          <a:p>
-            <a:pPr/>
-            <a:r>
-              <a:t>c# {'h': 1, 'e': 1, 'l': 2, 'o': 1}</a:t>
-            </a:r>
-          </a:p>
-        </p:txBody>
-      </p:sp>
-      <p:pic>
-        <p:nvPicPr>
-          <p:cNvPr id="253" name="Screenshot 2025-09-24 at 1.09.49 AM.png" descr="Screenshot 2025-09-24 at 1.09.49 AM.png"/>
-          <p:cNvPicPr>
-            <a:picLocks noChangeAspect="1"/>
-          </p:cNvPicPr>
-          <p:nvPr/>
-        </p:nvPicPr>
-        <p:blipFill>
-          <a:blip r:embed="rId4">
-            <a:extLst/>
-          </a:blip>
-          <a:stretch>
-            <a:fillRect/>
-          </a:stretch>
-        </p:blipFill>
-        <p:spPr>
-          <a:xfrm>
-            <a:off x="10832576" y="8633579"/>
-            <a:ext cx="9941022" cy="1130282"/>
-          </a:xfrm>
-          <a:prstGeom prst="rect">
-            <a:avLst/>
-          </a:prstGeom>
-          <a:ln w="12700">
-            <a:miter lim="400000"/>
-          </a:ln>
-        </p:spPr>
-      </p:pic>
-      <p:sp>
-        <p:nvSpPr>
-          <p:cNvPr id="254" name="c# {'h': 1, 'e': 1, 'l': 2, 'o': 1}"/>
-          <p:cNvSpPr/>
-          <p:nvPr/>
-        </p:nvSpPr>
-        <p:spPr>
-          <a:xfrm>
-            <a:off x="9141335" y="8563719"/>
-            <a:ext cx="1270001" cy="1270001"/>
-          </a:xfrm>
-          <a:prstGeom prst="rightArrow">
-            <a:avLst>
-              <a:gd name="adj1" fmla="val 32000"/>
-              <a:gd name="adj2" fmla="val 64000"/>
-            </a:avLst>
-          </a:prstGeom>
-          <a:solidFill>
-            <a:srgbClr val="FFFFFF"/>
-          </a:solidFill>
-          <a:ln w="12700">
-            <a:miter lim="400000"/>
-          </a:ln>
-          <a:extLst>
-            <a:ext uri="{C572A759-6A51-4108-AA02-DFA0A04FC94B}">
-              <ma14:wrappingTextBoxFlag xmlns:ma14="http://schemas.microsoft.com/office/mac/drawingml/2011/main" val="1"/>
-            </a:ext>
-          </a:extLst>
-        </p:spPr>
-        <p:txBody>
-          <a:bodyPr lIns="50800" tIns="50800" rIns="50800" bIns="50800" anchor="ctr"/>
-          <a:lstStyle>
-            <a:lvl1pPr algn="ctr" defTabSz="825500">
-              <a:lnSpc>
-                <a:spcPct val="100000"/>
-              </a:lnSpc>
-              <a:spcBef>
-                <a:spcPts val="0"/>
-              </a:spcBef>
-              <a:defRPr sz="3200">
-                <a:solidFill>
-                  <a:srgbClr val="000000"/>
-                </a:solidFill>
-                <a:latin typeface="Helvetica Neue Medium"/>
-                <a:ea typeface="Helvetica Neue Medium"/>
-                <a:cs typeface="Helvetica Neue Medium"/>
-                <a:sym typeface="Helvetica Neue Medium"/>
-              </a:defRPr>
-            </a:lvl1pPr>
-          </a:lstStyle>
-          <a:p>
-            <a:pPr/>
-            <a:r>
-              <a:t>c# {'h': 1, 'e': 1, 'l': 2, 'o': 1}</a:t>
-            </a:r>
-          </a:p>
-        </p:txBody>
-      </p:sp>
-      <p:pic>
-        <p:nvPicPr>
-          <p:cNvPr id="255" name="Screenshot 2025-09-24 at 1.41.29 AM.png" descr="Screenshot 2025-09-24 at 1.41.29 AM.png"/>
-          <p:cNvPicPr>
-            <a:picLocks noChangeAspect="1"/>
-          </p:cNvPicPr>
-          <p:nvPr/>
-        </p:nvPicPr>
-        <p:blipFill>
-          <a:blip r:embed="rId5">
-            <a:extLst/>
-          </a:blip>
-          <a:stretch>
-            <a:fillRect/>
-          </a:stretch>
-        </p:blipFill>
-        <p:spPr>
-          <a:xfrm>
-            <a:off x="1341286" y="8287576"/>
-            <a:ext cx="6309184" cy="2306424"/>
-          </a:xfrm>
-          <a:prstGeom prst="rect">
-            <a:avLst/>
-          </a:prstGeom>
-          <a:ln w="12700">
-            <a:miter lim="400000"/>
-          </a:ln>
-        </p:spPr>
-      </p:pic>
-    </p:spTree>
-  </p:cSld>
-  <p:clrMapOvr>
-    <a:masterClrMapping/>
-  </p:clrMapOvr>
-  <p:transition xmlns:p14="http://schemas.microsoft.com/office/powerpoint/2010/main" spd="med" advClick="1"/>
-  <p:timing>
-    <p:tnLst>
-      <p:par>
-        <p:cTn id="1" nodeType="tmRoot" restart="never" dur="indefinite" fill="hold">
-          <p:childTnLst>
-            <p:seq concurrent="1" prevAc="none" nextAc="seek">
-              <p:cTn id="2" nodeType="mainSeq" dur="indefinite" fill="hold">
-                <p:childTnLst>
-                  <p:par>
-                    <p:cTn id="3" fill="hold">
-                      <p:stCondLst>
-                        <p:cond delay="indefinite"/>
-                      </p:stCondLst>
-                      <p:childTnLst>
-                        <p:par>
-                          <p:cTn id="4" fill="hold">
-                            <p:stCondLst>
-                              <p:cond delay="0"/>
-                            </p:stCondLst>
-                            <p:childTnLst>
-                              <p:par>
-                                <p:cTn id="5" presetClass="entr" nodeType="clickEffect" presetSubtype="0" presetID="1" grpId="1" fill="hold">
-                                  <p:stCondLst>
-                                    <p:cond delay="0"/>
-                                  </p:stCondLst>
-                                  <p:iterate type="el" backwards="0">
-                                    <p:tmAbs val="0"/>
-                                  </p:iterate>
-                                  <p:childTnLst>
-                                    <p:set>
-                                      <p:cBhvr>
-                                        <p:cTn id="6" fill="hold"/>
-                                        <p:tgtEl>
-                                          <p:spTgt spid="250"/>
+                                          <p:spTgt spid="254"/>
                                         </p:tgtEl>
                                         <p:attrNameLst>
                                           <p:attrName>style.visibility</p:attrName>
@@ -5325,7 +4972,7 @@
                                       <p:cBhvr>
                                         <p:cTn id="10" fill="hold"/>
                                         <p:tgtEl>
-                                          <p:spTgt spid="252"/>
+                                          <p:spTgt spid="255"/>
                                         </p:tgtEl>
                                         <p:attrNameLst>
                                           <p:attrName>style.visibility</p:attrName>
@@ -5369,139 +5016,7 @@
                                       <p:cBhvr>
                                         <p:cTn id="14" fill="hold"/>
                                         <p:tgtEl>
-                                          <p:spTgt spid="251"/>
-                                        </p:tgtEl>
-                                        <p:attrNameLst>
-                                          <p:attrName>style.visibility</p:attrName>
-                                        </p:attrNameLst>
-                                      </p:cBhvr>
-                                      <p:to>
-                                        <p:strVal val="visible"/>
-                                      </p:to>
-                                    </p:set>
-                                  </p:childTnLst>
-                                </p:cTn>
-                              </p:par>
-                            </p:childTnLst>
-                          </p:cTn>
-                        </p:par>
-                      </p:childTnLst>
-                    </p:cTn>
-                  </p:par>
-                  <p:par>
-                    <p:cTn id="15" fill="hold">
-                      <p:stCondLst>
-                        <p:cond delay="indefinite"/>
-                      </p:stCondLst>
-                      <p:childTnLst>
-                        <p:par>
-                          <p:cTn id="16" fill="hold">
-                            <p:stCondLst>
-                              <p:cond delay="0"/>
-                            </p:stCondLst>
-                            <p:childTnLst>
-                              <p:par>
-                                <p:cTn id="17" presetClass="entr" nodeType="clickEffect" presetSubtype="0" presetID="1" grpId="4" fill="hold">
-                                  <p:stCondLst>
-                                    <p:cond delay="0"/>
-                                  </p:stCondLst>
-                                  <p:iterate type="el" backwards="0">
-                                    <p:tmAbs val="0"/>
-                                  </p:iterate>
-                                  <p:childTnLst>
-                                    <p:set>
-                                      <p:cBhvr>
-                                        <p:cTn id="18" fill="hold"/>
-                                        <p:tgtEl>
-                                          <p:spTgt spid="255"/>
-                                        </p:tgtEl>
-                                        <p:attrNameLst>
-                                          <p:attrName>style.visibility</p:attrName>
-                                        </p:attrNameLst>
-                                      </p:cBhvr>
-                                      <p:to>
-                                        <p:strVal val="visible"/>
-                                      </p:to>
-                                    </p:set>
-                                  </p:childTnLst>
-                                </p:cTn>
-                              </p:par>
-                            </p:childTnLst>
-                          </p:cTn>
-                        </p:par>
-                      </p:childTnLst>
-                    </p:cTn>
-                  </p:par>
-                  <p:par>
-                    <p:cTn id="19" fill="hold">
-                      <p:stCondLst>
-                        <p:cond delay="indefinite"/>
-                      </p:stCondLst>
-                      <p:childTnLst>
-                        <p:par>
-                          <p:cTn id="20" fill="hold">
-                            <p:stCondLst>
-                              <p:cond delay="0"/>
-                            </p:stCondLst>
-                            <p:childTnLst>
-                              <p:par>
-                                <p:cTn id="21" presetClass="entr" nodeType="clickEffect" presetSubtype="0" presetID="1" grpId="5" fill="hold">
-                                  <p:stCondLst>
-                                    <p:cond delay="0"/>
-                                  </p:stCondLst>
-                                  <p:iterate type="el" backwards="0">
-                                    <p:tmAbs val="0"/>
-                                  </p:iterate>
-                                  <p:childTnLst>
-                                    <p:set>
-                                      <p:cBhvr>
-                                        <p:cTn id="22" fill="hold"/>
-                                        <p:tgtEl>
-                                          <p:spTgt spid="254"/>
-                                        </p:tgtEl>
-                                        <p:attrNameLst>
-                                          <p:attrName>style.visibility</p:attrName>
-                                        </p:attrNameLst>
-                                      </p:cBhvr>
-                                      <p:to>
-                                        <p:strVal val="visible"/>
-                                      </p:to>
-                                    </p:set>
-                                  </p:childTnLst>
-                                </p:cTn>
-                              </p:par>
-                            </p:childTnLst>
-                          </p:cTn>
-                        </p:par>
-                      </p:childTnLst>
-                    </p:cTn>
-                  </p:par>
-                  <p:par>
-                    <p:cTn id="23" fill="hold">
-                      <p:stCondLst>
-                        <p:cond delay="indefinite"/>
-                      </p:stCondLst>
-                      <p:childTnLst>
-                        <p:par>
-                          <p:cTn id="24" fill="hold">
-                            <p:stCondLst>
-                              <p:cond delay="0"/>
-                            </p:stCondLst>
-                            <p:childTnLst>
-                              <p:par>
-                                <p:cTn id="25" presetClass="entr" nodeType="clickEffect" presetSubtype="0" presetID="1" grpId="6" fill="hold">
-                                  <p:stCondLst>
-                                    <p:cond delay="0"/>
-                                  </p:stCondLst>
-                                  <p:iterate type="el" backwards="0">
-                                    <p:tmAbs val="0"/>
-                                  </p:iterate>
-                                  <p:childTnLst>
-                                    <p:set>
-                                      <p:cBhvr>
-                                        <p:cTn id="26" fill="hold"/>
-                                        <p:tgtEl>
-                                          <p:spTgt spid="253"/>
+                                          <p:spTgt spid="256"/>
                                         </p:tgtEl>
                                         <p:attrNameLst>
                                           <p:attrName>style.visibility</p:attrName>
@@ -5542,18 +5057,15 @@
       </p:par>
     </p:tnLst>
     <p:bldLst>
-      <p:bldP build="whole" bldLvl="1" animBg="1" rev="0" advAuto="0" spid="255" grpId="4"/>
-      <p:bldP build="whole" bldLvl="1" animBg="1" rev="0" advAuto="0" spid="251" grpId="3"/>
-      <p:bldP build="whole" bldLvl="1" animBg="1" rev="0" advAuto="0" spid="250" grpId="1"/>
-      <p:bldP build="whole" bldLvl="1" animBg="1" rev="0" advAuto="0" spid="253" grpId="6"/>
-      <p:bldP build="whole" bldLvl="1" animBg="1" rev="0" advAuto="0" spid="254" grpId="5"/>
-      <p:bldP build="whole" bldLvl="1" animBg="1" rev="0" advAuto="0" spid="252" grpId="2"/>
+      <p:bldP build="whole" bldLvl="1" animBg="1" rev="0" advAuto="0" spid="256" grpId="3"/>
+      <p:bldP build="whole" bldLvl="1" animBg="1" rev="0" advAuto="0" spid="255" grpId="2"/>
+      <p:bldP build="whole" bldLvl="1" animBg="1" rev="0" advAuto="0" spid="254" grpId="1"/>
     </p:bldLst>
   </p:timing>
 </p:sld>
 </file>
 
-<file path=ppt/slides/slide14.xml><?xml version="1.0" encoding="utf-8"?>
+<file path=ppt/slides/slide13.xml><?xml version="1.0" encoding="utf-8"?>
 <p:sld xmlns:a="http://schemas.openxmlformats.org/drawingml/2006/main" xmlns:r="http://schemas.openxmlformats.org/officeDocument/2006/relationships" xmlns:p="http://schemas.openxmlformats.org/presentationml/2006/main" xmlns:m="http://schemas.openxmlformats.org/officeDocument/2006/math" xmlns:a14="http://schemas.microsoft.com/office/drawing/2010/main" showMasterSp="1" showMasterPhAnim="1">
   <p:cSld>
     <p:spTree>
@@ -5572,87 +5084,65 @@
       </p:grpSpPr>
       <p:sp>
         <p:nvSpPr>
-          <p:cNvPr id="257" name="Dictionary Comprehension"/>
+          <p:cNvPr id="258" name="Try Adding Comprehensions to Your Project"/>
           <p:cNvSpPr txBox="1"/>
           <p:nvPr>
             <p:ph type="title"/>
           </p:nvPr>
         </p:nvSpPr>
         <p:spPr>
+          <a:xfrm>
+            <a:off x="2060939" y="1462165"/>
+            <a:ext cx="21971001" cy="1433164"/>
+          </a:xfrm>
           <a:prstGeom prst="rect">
             <a:avLst/>
           </a:prstGeom>
         </p:spPr>
         <p:txBody>
           <a:bodyPr/>
-          <a:lstStyle/>
+          <a:lstStyle>
+            <a:lvl1pPr>
+              <a:defRPr spc="-152" sz="7600"/>
+            </a:lvl1pPr>
+          </a:lstStyle>
           <a:p>
             <a:pPr/>
             <a:r>
-              <a:t>Dictionary Comprehension</a:t>
-            </a:r>
-          </a:p>
-        </p:txBody>
-      </p:sp>
-      <p:sp>
-        <p:nvSpPr>
-          <p:cNvPr id="258" name="Why?"/>
-          <p:cNvSpPr txBox="1"/>
-          <p:nvPr>
-            <p:ph type="body" idx="21"/>
-          </p:nvPr>
-        </p:nvSpPr>
-        <p:spPr>
-          <a:prstGeom prst="rect">
-            <a:avLst/>
-          </a:prstGeom>
-          <a:extLst>
-            <a:ext uri="{C572A759-6A51-4108-AA02-DFA0A04FC94B}">
-              <ma14:wrappingTextBoxFlag xmlns:ma14="http://schemas.microsoft.com/office/mac/drawingml/2011/main" val="1"/>
-            </a:ext>
-          </a:extLst>
-        </p:spPr>
-        <p:txBody>
-          <a:bodyPr/>
-          <a:lstStyle/>
-          <a:p>
-            <a:pPr/>
-            <a:r>
-              <a:t>Why?</a:t>
-            </a:r>
-          </a:p>
-        </p:txBody>
-      </p:sp>
-      <p:sp>
-        <p:nvSpPr>
-          <p:cNvPr id="259" name="Concise way to create key-value pairs…"/>
-          <p:cNvSpPr txBox="1"/>
-          <p:nvPr>
-            <p:ph type="body" idx="1"/>
-          </p:nvPr>
-        </p:nvSpPr>
-        <p:spPr>
-          <a:prstGeom prst="rect">
-            <a:avLst/>
-          </a:prstGeom>
-        </p:spPr>
-        <p:txBody>
-          <a:bodyPr/>
-          <a:lstStyle/>
-          <a:p>
-            <a:pPr/>
-            <a:r>
-              <a:t>Concise way to create key-value pairs</a:t>
-            </a:r>
-          </a:p>
-          <a:p>
-            <a:pPr/>
-            <a:r>
-              <a:t>Easier to read than a for-loop with assignments</a:t>
-            </a:r>
-          </a:p>
-        </p:txBody>
-      </p:sp>
+              <a:t>Try Adding Comprehensions to Your Project</a:t>
+            </a:r>
+          </a:p>
+        </p:txBody>
+      </p:sp>
+      <p:pic>
+        <p:nvPicPr>
+          <p:cNvPr id="259" name="Screenshot 2025-09-25 at 9.55.22 PM.png" descr="Screenshot 2025-09-25 at 9.55.22 PM.png"/>
+          <p:cNvPicPr>
+            <a:picLocks noChangeAspect="1"/>
+          </p:cNvPicPr>
+          <p:nvPr/>
+        </p:nvPicPr>
+        <p:blipFill>
+          <a:blip r:embed="rId2">
+            <a:extLst/>
+          </a:blip>
+          <a:stretch>
+            <a:fillRect/>
+          </a:stretch>
+        </p:blipFill>
+        <p:spPr>
+          <a:xfrm>
+            <a:off x="3403795" y="3200418"/>
+            <a:ext cx="16080289" cy="9516321"/>
+          </a:xfrm>
+          <a:prstGeom prst="rect">
+            <a:avLst/>
+          </a:prstGeom>
+          <a:ln w="12700">
+            <a:miter lim="400000"/>
+          </a:ln>
+        </p:spPr>
+      </p:pic>
     </p:spTree>
   </p:cSld>
   <p:clrMapOvr>
@@ -5662,7 +5152,7 @@
 </p:sld>
 </file>
 
-<file path=ppt/slides/slide15.xml><?xml version="1.0" encoding="utf-8"?>
+<file path=ppt/slides/slide2.xml><?xml version="1.0" encoding="utf-8"?>
 <p:sld xmlns:a="http://schemas.openxmlformats.org/drawingml/2006/main" xmlns:r="http://schemas.openxmlformats.org/officeDocument/2006/relationships" xmlns:p="http://schemas.openxmlformats.org/presentationml/2006/main" xmlns:m="http://schemas.openxmlformats.org/officeDocument/2006/math" xmlns:a14="http://schemas.microsoft.com/office/drawing/2010/main" showMasterSp="1" showMasterPhAnim="1">
   <p:cSld>
     <p:spTree>
@@ -5681,7 +5171,7 @@
       </p:grpSpPr>
       <p:sp>
         <p:nvSpPr>
-          <p:cNvPr id="261" name="Dictionary Comprehension"/>
+          <p:cNvPr id="175" name="Python Comprehensions"/>
           <p:cNvSpPr txBox="1"/>
           <p:nvPr>
             <p:ph type="title"/>
@@ -5698,43 +5188,14 @@
           <a:p>
             <a:pPr/>
             <a:r>
-              <a:t>Dictionary Comprehension</a:t>
-            </a:r>
-          </a:p>
-        </p:txBody>
-      </p:sp>
-      <p:sp>
-        <p:nvSpPr>
-          <p:cNvPr id="262" name="When?"/>
-          <p:cNvSpPr txBox="1"/>
-          <p:nvPr>
-            <p:ph type="body" idx="21"/>
-          </p:nvPr>
-        </p:nvSpPr>
-        <p:spPr>
-          <a:prstGeom prst="rect">
-            <a:avLst/>
-          </a:prstGeom>
-          <a:extLst>
-            <a:ext uri="{C572A759-6A51-4108-AA02-DFA0A04FC94B}">
-              <ma14:wrappingTextBoxFlag xmlns:ma14="http://schemas.microsoft.com/office/mac/drawingml/2011/main" val="1"/>
-            </a:ext>
-          </a:extLst>
-        </p:spPr>
-        <p:txBody>
-          <a:bodyPr/>
-          <a:lstStyle/>
-          <a:p>
-            <a:pPr/>
-            <a:r>
-              <a:t>When?</a:t>
-            </a:r>
-          </a:p>
-        </p:txBody>
-      </p:sp>
-      <p:sp>
-        <p:nvSpPr>
-          <p:cNvPr id="263" name="Generate a dictionary quickly…"/>
+              <a:t>Python Comprehensions</a:t>
+            </a:r>
+          </a:p>
+        </p:txBody>
+      </p:sp>
+      <p:sp>
+        <p:nvSpPr>
+          <p:cNvPr id="176" name="What…"/>
           <p:cNvSpPr txBox="1"/>
           <p:nvPr>
             <p:ph type="body" idx="1"/>
@@ -5746,18 +5207,30 @@
           </a:prstGeom>
         </p:spPr>
         <p:txBody>
-          <a:bodyPr/>
+          <a:bodyPr lIns="88900" tIns="88900" rIns="88900" bIns="88900"/>
           <a:lstStyle/>
           <a:p>
-            <a:pPr/>
-            <a:r>
-              <a:t>Generate a dictionary quickly</a:t>
-            </a:r>
-          </a:p>
-          <a:p>
-            <a:pPr/>
-            <a:r>
-              <a:t>Mapping or transforming data into key-value pairs</a:t>
+            <a:pPr marL="609600" indent="-609600">
+              <a:defRPr sz="6800"/>
+            </a:pPr>
+            <a:r>
+              <a:t>What</a:t>
+            </a:r>
+          </a:p>
+          <a:p>
+            <a:pPr marL="609600" indent="-609600">
+              <a:defRPr sz="6800"/>
+            </a:pPr>
+            <a:r>
+              <a:t>Why</a:t>
+            </a:r>
+          </a:p>
+          <a:p>
+            <a:pPr marL="609600" indent="-609600">
+              <a:defRPr sz="6800"/>
+            </a:pPr>
+            <a:r>
+              <a:t>When</a:t>
             </a:r>
           </a:p>
         </p:txBody>
@@ -5771,7 +5244,7 @@
 </p:sld>
 </file>
 
-<file path=ppt/slides/slide16.xml><?xml version="1.0" encoding="utf-8"?>
+<file path=ppt/slides/slide3.xml><?xml version="1.0" encoding="utf-8"?>
 <p:sld xmlns:a="http://schemas.openxmlformats.org/drawingml/2006/main" xmlns:r="http://schemas.openxmlformats.org/officeDocument/2006/relationships" xmlns:p="http://schemas.openxmlformats.org/presentationml/2006/main" xmlns:m="http://schemas.openxmlformats.org/officeDocument/2006/math" xmlns:a14="http://schemas.microsoft.com/office/drawing/2010/main" showMasterSp="1" showMasterPhAnim="1">
   <p:cSld>
     <p:spTree>
@@ -5790,7 +5263,7 @@
       </p:grpSpPr>
       <p:sp>
         <p:nvSpPr>
-          <p:cNvPr id="265" name="Python Comprehension"/>
+          <p:cNvPr id="178" name="Python Comprehensions"/>
           <p:cNvSpPr txBox="1"/>
           <p:nvPr>
             <p:ph type="title"/>
@@ -5807,14 +5280,14 @@
           <a:p>
             <a:pPr/>
             <a:r>
-              <a:t>Python Comprehension</a:t>
-            </a:r>
-          </a:p>
-        </p:txBody>
-      </p:sp>
-      <p:sp>
-        <p:nvSpPr>
-          <p:cNvPr id="266" name="Syntax"/>
+              <a:t>Python Comprehensions</a:t>
+            </a:r>
+          </a:p>
+        </p:txBody>
+      </p:sp>
+      <p:sp>
+        <p:nvSpPr>
+          <p:cNvPr id="179" name="Syntax"/>
           <p:cNvSpPr txBox="1"/>
           <p:nvPr>
             <p:ph type="body" idx="21"/>
@@ -5847,7 +5320,7 @@
       </p:sp>
       <p:sp>
         <p:nvSpPr>
-          <p:cNvPr id="267" name="[ expression for item in iterable if condition ]…"/>
+          <p:cNvPr id="180" name="[ expression for item in iterable if condition ]…"/>
           <p:cNvSpPr txBox="1"/>
           <p:nvPr>
             <p:ph type="body" idx="1"/>
@@ -5883,7 +5356,7 @@
       </p:sp>
       <p:sp>
         <p:nvSpPr>
-          <p:cNvPr id="268" name="List Comprehension"/>
+          <p:cNvPr id="181" name="List Comprehension"/>
           <p:cNvSpPr txBox="1"/>
           <p:nvPr/>
         </p:nvSpPr>
@@ -5919,7 +5392,7 @@
       </p:sp>
       <p:sp>
         <p:nvSpPr>
-          <p:cNvPr id="269" name="Set Comprehension"/>
+          <p:cNvPr id="182" name="Set Comprehension"/>
           <p:cNvSpPr txBox="1"/>
           <p:nvPr/>
         </p:nvSpPr>
@@ -5955,7 +5428,7 @@
       </p:sp>
       <p:sp>
         <p:nvSpPr>
-          <p:cNvPr id="270" name="Dictionary Comprehension"/>
+          <p:cNvPr id="183" name="Dictionary Comprehension"/>
           <p:cNvSpPr txBox="1"/>
           <p:nvPr/>
         </p:nvSpPr>
@@ -6028,7 +5501,7 @@
                                       <p:cBhvr>
                                         <p:cTn id="6" fill="hold"/>
                                         <p:tgtEl>
-                                          <p:spTgt spid="268"/>
+                                          <p:spTgt spid="181"/>
                                         </p:tgtEl>
                                         <p:attrNameLst>
                                           <p:attrName>style.visibility</p:attrName>
@@ -6072,7 +5545,7 @@
                                       <p:cBhvr>
                                         <p:cTn id="10" fill="hold"/>
                                         <p:tgtEl>
-                                          <p:spTgt spid="269"/>
+                                          <p:spTgt spid="182"/>
                                         </p:tgtEl>
                                         <p:attrNameLst>
                                           <p:attrName>style.visibility</p:attrName>
@@ -6116,7 +5589,7 @@
                                       <p:cBhvr>
                                         <p:cTn id="14" fill="hold"/>
                                         <p:tgtEl>
-                                          <p:spTgt spid="270"/>
+                                          <p:spTgt spid="183"/>
                                         </p:tgtEl>
                                         <p:attrNameLst>
                                           <p:attrName>style.visibility</p:attrName>
@@ -6157,551 +5630,11 @@
       </p:par>
     </p:tnLst>
     <p:bldLst>
-      <p:bldP build="whole" bldLvl="1" animBg="1" rev="0" advAuto="0" spid="268" grpId="1"/>
-      <p:bldP build="whole" bldLvl="1" animBg="1" rev="0" advAuto="0" spid="270" grpId="3"/>
-      <p:bldP build="whole" bldLvl="1" animBg="1" rev="0" advAuto="0" spid="269" grpId="2"/>
+      <p:bldP build="whole" bldLvl="1" animBg="1" rev="0" advAuto="0" spid="183" grpId="3"/>
+      <p:bldP build="whole" bldLvl="1" animBg="1" rev="0" advAuto="0" spid="181" grpId="1"/>
+      <p:bldP build="whole" bldLvl="1" animBg="1" rev="0" advAuto="0" spid="182" grpId="2"/>
     </p:bldLst>
   </p:timing>
-</p:sld>
-</file>
-
-<file path=ppt/slides/slide17.xml><?xml version="1.0" encoding="utf-8"?>
-<p:sld xmlns:a="http://schemas.openxmlformats.org/drawingml/2006/main" xmlns:r="http://schemas.openxmlformats.org/officeDocument/2006/relationships" xmlns:p="http://schemas.openxmlformats.org/presentationml/2006/main" xmlns:m="http://schemas.openxmlformats.org/officeDocument/2006/math" xmlns:a14="http://schemas.microsoft.com/office/drawing/2010/main" showMasterSp="1" showMasterPhAnim="1">
-  <p:cSld>
-    <p:spTree>
-      <p:nvGrpSpPr>
-        <p:cNvPr id="1" name=""/>
-        <p:cNvGrpSpPr/>
-        <p:nvPr/>
-      </p:nvGrpSpPr>
-      <p:grpSpPr>
-        <a:xfrm>
-          <a:off x="0" y="0"/>
-          <a:ext cx="0" cy="0"/>
-          <a:chOff x="0" y="0"/>
-          <a:chExt cx="0" cy="0"/>
-        </a:xfrm>
-      </p:grpSpPr>
-      <p:sp>
-        <p:nvSpPr>
-          <p:cNvPr id="272" name="Thank You"/>
-          <p:cNvSpPr txBox="1"/>
-          <p:nvPr>
-            <p:ph type="title"/>
-          </p:nvPr>
-        </p:nvSpPr>
-        <p:spPr>
-          <a:xfrm>
-            <a:off x="8221896" y="5089785"/>
-            <a:ext cx="21971001" cy="1433163"/>
-          </a:xfrm>
-          <a:prstGeom prst="rect">
-            <a:avLst/>
-          </a:prstGeom>
-        </p:spPr>
-        <p:txBody>
-          <a:bodyPr/>
-          <a:lstStyle/>
-          <a:p>
-            <a:pPr/>
-            <a:r>
-              <a:t>Thank You</a:t>
-            </a:r>
-          </a:p>
-        </p:txBody>
-      </p:sp>
-    </p:spTree>
-  </p:cSld>
-  <p:clrMapOvr>
-    <a:masterClrMapping/>
-  </p:clrMapOvr>
-  <p:transition xmlns:p14="http://schemas.microsoft.com/office/powerpoint/2010/main" spd="med" advClick="1"/>
-</p:sld>
-</file>
-
-<file path=ppt/slides/slide2.xml><?xml version="1.0" encoding="utf-8"?>
-<p:sld xmlns:a="http://schemas.openxmlformats.org/drawingml/2006/main" xmlns:r="http://schemas.openxmlformats.org/officeDocument/2006/relationships" xmlns:p="http://schemas.openxmlformats.org/presentationml/2006/main" xmlns:m="http://schemas.openxmlformats.org/officeDocument/2006/math" xmlns:a14="http://schemas.microsoft.com/office/drawing/2010/main" showMasterSp="1" showMasterPhAnim="1">
-  <p:cSld>
-    <p:spTree>
-      <p:nvGrpSpPr>
-        <p:cNvPr id="1" name=""/>
-        <p:cNvGrpSpPr/>
-        <p:nvPr/>
-      </p:nvGrpSpPr>
-      <p:grpSpPr>
-        <a:xfrm>
-          <a:off x="0" y="0"/>
-          <a:ext cx="0" cy="0"/>
-          <a:chOff x="0" y="0"/>
-          <a:chExt cx="0" cy="0"/>
-        </a:xfrm>
-      </p:grpSpPr>
-      <p:sp>
-        <p:nvSpPr>
-          <p:cNvPr id="175" name="Python Comprehension"/>
-          <p:cNvSpPr txBox="1"/>
-          <p:nvPr>
-            <p:ph type="title"/>
-          </p:nvPr>
-        </p:nvSpPr>
-        <p:spPr>
-          <a:prstGeom prst="rect">
-            <a:avLst/>
-          </a:prstGeom>
-        </p:spPr>
-        <p:txBody>
-          <a:bodyPr/>
-          <a:lstStyle/>
-          <a:p>
-            <a:pPr/>
-            <a:r>
-              <a:t>Python Comprehension</a:t>
-            </a:r>
-          </a:p>
-        </p:txBody>
-      </p:sp>
-      <p:sp>
-        <p:nvSpPr>
-          <p:cNvPr id="176" name="Syntax"/>
-          <p:cNvSpPr txBox="1"/>
-          <p:nvPr>
-            <p:ph type="body" idx="21"/>
-          </p:nvPr>
-        </p:nvSpPr>
-        <p:spPr>
-          <a:xfrm>
-            <a:off x="1206500" y="2249296"/>
-            <a:ext cx="21971000" cy="934780"/>
-          </a:xfrm>
-          <a:prstGeom prst="rect">
-            <a:avLst/>
-          </a:prstGeom>
-          <a:extLst>
-            <a:ext uri="{C572A759-6A51-4108-AA02-DFA0A04FC94B}">
-              <ma14:wrappingTextBoxFlag xmlns:ma14="http://schemas.microsoft.com/office/mac/drawingml/2011/main" val="1"/>
-            </a:ext>
-          </a:extLst>
-        </p:spPr>
-        <p:txBody>
-          <a:bodyPr/>
-          <a:lstStyle/>
-          <a:p>
-            <a:pPr/>
-            <a:r>
-              <a:t>Syntax</a:t>
-            </a:r>
-          </a:p>
-        </p:txBody>
-      </p:sp>
-      <p:sp>
-        <p:nvSpPr>
-          <p:cNvPr id="177" name="[ expression for item in iterable if condition ]…"/>
-          <p:cNvSpPr txBox="1"/>
-          <p:nvPr>
-            <p:ph type="body" idx="1"/>
-          </p:nvPr>
-        </p:nvSpPr>
-        <p:spPr>
-          <a:prstGeom prst="rect">
-            <a:avLst/>
-          </a:prstGeom>
-        </p:spPr>
-        <p:txBody>
-          <a:bodyPr/>
-          <a:lstStyle/>
-          <a:p>
-            <a:pPr/>
-            <a:r>
-              <a:t>[ expression for item in iterable if condition ]</a:t>
-            </a:r>
-          </a:p>
-          <a:p>
-            <a:pPr/>
-            <a:r>
-              <a:t>{ expression for item in iterable if condition }</a:t>
-            </a:r>
-          </a:p>
-          <a:p>
-            <a:pPr/>
-            <a:r>
-              <a:t>{ key_expr : value_expr for item in iterable if condition }</a:t>
-            </a:r>
-          </a:p>
-        </p:txBody>
-      </p:sp>
-      <p:sp>
-        <p:nvSpPr>
-          <p:cNvPr id="178" name="List Comprehension"/>
-          <p:cNvSpPr txBox="1"/>
-          <p:nvPr/>
-        </p:nvSpPr>
-        <p:spPr>
-          <a:xfrm>
-            <a:off x="17602196" y="4100328"/>
-            <a:ext cx="5579975" cy="808433"/>
-          </a:xfrm>
-          <a:prstGeom prst="rect">
-            <a:avLst/>
-          </a:prstGeom>
-          <a:ln w="12700">
-            <a:miter lim="400000"/>
-          </a:ln>
-          <a:extLst>
-            <a:ext uri="{C572A759-6A51-4108-AA02-DFA0A04FC94B}">
-              <ma14:wrappingTextBoxFlag xmlns:ma14="http://schemas.microsoft.com/office/mac/drawingml/2011/main" val="1"/>
-            </a:ext>
-          </a:extLst>
-        </p:spPr>
-        <p:txBody>
-          <a:bodyPr wrap="none" lIns="50800" tIns="50800" rIns="50800" bIns="50800" anchor="ctr">
-            <a:spAutoFit/>
-          </a:bodyPr>
-          <a:lstStyle/>
-          <a:p>
-            <a:pPr/>
-            <a:r>
-              <a:t>List Comprehension</a:t>
-            </a:r>
-          </a:p>
-        </p:txBody>
-      </p:sp>
-      <p:sp>
-        <p:nvSpPr>
-          <p:cNvPr id="179" name="Set Comprehension"/>
-          <p:cNvSpPr txBox="1"/>
-          <p:nvPr/>
-        </p:nvSpPr>
-        <p:spPr>
-          <a:xfrm>
-            <a:off x="17602196" y="5441532"/>
-            <a:ext cx="5523282" cy="808432"/>
-          </a:xfrm>
-          <a:prstGeom prst="rect">
-            <a:avLst/>
-          </a:prstGeom>
-          <a:ln w="12700">
-            <a:miter lim="400000"/>
-          </a:ln>
-          <a:extLst>
-            <a:ext uri="{C572A759-6A51-4108-AA02-DFA0A04FC94B}">
-              <ma14:wrappingTextBoxFlag xmlns:ma14="http://schemas.microsoft.com/office/mac/drawingml/2011/main" val="1"/>
-            </a:ext>
-          </a:extLst>
-        </p:spPr>
-        <p:txBody>
-          <a:bodyPr wrap="none" lIns="50800" tIns="50800" rIns="50800" bIns="50800" anchor="ctr">
-            <a:spAutoFit/>
-          </a:bodyPr>
-          <a:lstStyle/>
-          <a:p>
-            <a:pPr/>
-            <a:r>
-              <a:t>Set Comprehension</a:t>
-            </a:r>
-          </a:p>
-        </p:txBody>
-      </p:sp>
-      <p:sp>
-        <p:nvSpPr>
-          <p:cNvPr id="180" name="Dictionary Comprehension"/>
-          <p:cNvSpPr txBox="1"/>
-          <p:nvPr/>
-        </p:nvSpPr>
-        <p:spPr>
-          <a:xfrm>
-            <a:off x="17002591" y="6782735"/>
-            <a:ext cx="7352082" cy="808432"/>
-          </a:xfrm>
-          <a:prstGeom prst="rect">
-            <a:avLst/>
-          </a:prstGeom>
-          <a:ln w="12700">
-            <a:miter lim="400000"/>
-          </a:ln>
-          <a:extLst>
-            <a:ext uri="{C572A759-6A51-4108-AA02-DFA0A04FC94B}">
-              <ma14:wrappingTextBoxFlag xmlns:ma14="http://schemas.microsoft.com/office/mac/drawingml/2011/main" val="1"/>
-            </a:ext>
-          </a:extLst>
-        </p:spPr>
-        <p:txBody>
-          <a:bodyPr wrap="none" lIns="50800" tIns="50800" rIns="50800" bIns="50800" anchor="ctr">
-            <a:spAutoFit/>
-          </a:bodyPr>
-          <a:lstStyle/>
-          <a:p>
-            <a:pPr/>
-            <a:r>
-              <a:t>Dictionary Comprehension</a:t>
-            </a:r>
-          </a:p>
-        </p:txBody>
-      </p:sp>
-    </p:spTree>
-  </p:cSld>
-  <p:clrMapOvr>
-    <a:masterClrMapping/>
-  </p:clrMapOvr>
-  <p:transition xmlns:p14="http://schemas.microsoft.com/office/powerpoint/2010/main" spd="med" advClick="1"/>
-  <p:timing>
-    <p:tnLst>
-      <p:par>
-        <p:cTn id="1" nodeType="tmRoot" restart="never" dur="indefinite" fill="hold">
-          <p:childTnLst>
-            <p:seq concurrent="1" prevAc="none" nextAc="seek">
-              <p:cTn id="2" nodeType="mainSeq" dur="indefinite" fill="hold">
-                <p:childTnLst>
-                  <p:par>
-                    <p:cTn id="3" fill="hold">
-                      <p:stCondLst>
-                        <p:cond delay="indefinite"/>
-                      </p:stCondLst>
-                      <p:childTnLst>
-                        <p:par>
-                          <p:cTn id="4" fill="hold">
-                            <p:stCondLst>
-                              <p:cond delay="0"/>
-                            </p:stCondLst>
-                            <p:childTnLst>
-                              <p:par>
-                                <p:cTn id="5" presetClass="entr" nodeType="clickEffect" presetSubtype="0" presetID="1" grpId="1" fill="hold">
-                                  <p:stCondLst>
-                                    <p:cond delay="0"/>
-                                  </p:stCondLst>
-                                  <p:iterate type="el" backwards="0">
-                                    <p:tmAbs val="0"/>
-                                  </p:iterate>
-                                  <p:childTnLst>
-                                    <p:set>
-                                      <p:cBhvr>
-                                        <p:cTn id="6" fill="hold"/>
-                                        <p:tgtEl>
-                                          <p:spTgt spid="178"/>
-                                        </p:tgtEl>
-                                        <p:attrNameLst>
-                                          <p:attrName>style.visibility</p:attrName>
-                                        </p:attrNameLst>
-                                      </p:cBhvr>
-                                      <p:to>
-                                        <p:strVal val="visible"/>
-                                      </p:to>
-                                    </p:set>
-                                  </p:childTnLst>
-                                </p:cTn>
-                              </p:par>
-                            </p:childTnLst>
-                          </p:cTn>
-                        </p:par>
-                      </p:childTnLst>
-                    </p:cTn>
-                  </p:par>
-                  <p:par>
-                    <p:cTn id="7" fill="hold">
-                      <p:stCondLst>
-                        <p:cond delay="indefinite"/>
-                      </p:stCondLst>
-                      <p:childTnLst>
-                        <p:par>
-                          <p:cTn id="8" fill="hold">
-                            <p:stCondLst>
-                              <p:cond delay="0"/>
-                            </p:stCondLst>
-                            <p:childTnLst>
-                              <p:par>
-                                <p:cTn id="9" presetClass="entr" nodeType="clickEffect" presetSubtype="0" presetID="1" grpId="2" fill="hold">
-                                  <p:stCondLst>
-                                    <p:cond delay="0"/>
-                                  </p:stCondLst>
-                                  <p:iterate type="el" backwards="0">
-                                    <p:tmAbs val="0"/>
-                                  </p:iterate>
-                                  <p:childTnLst>
-                                    <p:set>
-                                      <p:cBhvr>
-                                        <p:cTn id="10" fill="hold"/>
-                                        <p:tgtEl>
-                                          <p:spTgt spid="179"/>
-                                        </p:tgtEl>
-                                        <p:attrNameLst>
-                                          <p:attrName>style.visibility</p:attrName>
-                                        </p:attrNameLst>
-                                      </p:cBhvr>
-                                      <p:to>
-                                        <p:strVal val="visible"/>
-                                      </p:to>
-                                    </p:set>
-                                  </p:childTnLst>
-                                </p:cTn>
-                              </p:par>
-                            </p:childTnLst>
-                          </p:cTn>
-                        </p:par>
-                      </p:childTnLst>
-                    </p:cTn>
-                  </p:par>
-                  <p:par>
-                    <p:cTn id="11" fill="hold">
-                      <p:stCondLst>
-                        <p:cond delay="indefinite"/>
-                      </p:stCondLst>
-                      <p:childTnLst>
-                        <p:par>
-                          <p:cTn id="12" fill="hold">
-                            <p:stCondLst>
-                              <p:cond delay="0"/>
-                            </p:stCondLst>
-                            <p:childTnLst>
-                              <p:par>
-                                <p:cTn id="13" presetClass="entr" nodeType="clickEffect" presetSubtype="0" presetID="1" grpId="3" fill="hold">
-                                  <p:stCondLst>
-                                    <p:cond delay="0"/>
-                                  </p:stCondLst>
-                                  <p:iterate type="el" backwards="0">
-                                    <p:tmAbs val="0"/>
-                                  </p:iterate>
-                                  <p:childTnLst>
-                                    <p:set>
-                                      <p:cBhvr>
-                                        <p:cTn id="14" fill="hold"/>
-                                        <p:tgtEl>
-                                          <p:spTgt spid="180"/>
-                                        </p:tgtEl>
-                                        <p:attrNameLst>
-                                          <p:attrName>style.visibility</p:attrName>
-                                        </p:attrNameLst>
-                                      </p:cBhvr>
-                                      <p:to>
-                                        <p:strVal val="visible"/>
-                                      </p:to>
-                                    </p:set>
-                                  </p:childTnLst>
-                                </p:cTn>
-                              </p:par>
-                            </p:childTnLst>
-                          </p:cTn>
-                        </p:par>
-                      </p:childTnLst>
-                    </p:cTn>
-                  </p:par>
-                </p:childTnLst>
-              </p:cTn>
-              <p:prevCondLst>
-                <p:cond evt="onPrev">
-                  <p:tgtEl>
-                    <p:sldTgt/>
-                  </p:tgtEl>
-                </p:cond>
-              </p:prevCondLst>
-              <p:nextCondLst>
-                <p:cond evt="onNext">
-                  <p:tgtEl>
-                    <p:sldTgt/>
-                  </p:tgtEl>
-                </p:cond>
-              </p:nextCondLst>
-            </p:seq>
-          </p:childTnLst>
-        </p:cTn>
-      </p:par>
-    </p:tnLst>
-    <p:bldLst>
-      <p:bldP build="whole" bldLvl="1" animBg="1" rev="0" advAuto="0" spid="178" grpId="1"/>
-      <p:bldP build="whole" bldLvl="1" animBg="1" rev="0" advAuto="0" spid="180" grpId="3"/>
-      <p:bldP build="whole" bldLvl="1" animBg="1" rev="0" advAuto="0" spid="179" grpId="2"/>
-    </p:bldLst>
-  </p:timing>
-</p:sld>
-</file>
-
-<file path=ppt/slides/slide3.xml><?xml version="1.0" encoding="utf-8"?>
-<p:sld xmlns:a="http://schemas.openxmlformats.org/drawingml/2006/main" xmlns:r="http://schemas.openxmlformats.org/officeDocument/2006/relationships" xmlns:p="http://schemas.openxmlformats.org/presentationml/2006/main" xmlns:m="http://schemas.openxmlformats.org/officeDocument/2006/math" xmlns:a14="http://schemas.microsoft.com/office/drawing/2010/main" showMasterSp="1" showMasterPhAnim="1">
-  <p:cSld>
-    <p:spTree>
-      <p:nvGrpSpPr>
-        <p:cNvPr id="1" name=""/>
-        <p:cNvGrpSpPr/>
-        <p:nvPr/>
-      </p:nvGrpSpPr>
-      <p:grpSpPr>
-        <a:xfrm>
-          <a:off x="0" y="0"/>
-          <a:ext cx="0" cy="0"/>
-          <a:chOff x="0" y="0"/>
-          <a:chExt cx="0" cy="0"/>
-        </a:xfrm>
-      </p:grpSpPr>
-      <p:sp>
-        <p:nvSpPr>
-          <p:cNvPr id="182" name="Python Comprehensions"/>
-          <p:cNvSpPr txBox="1"/>
-          <p:nvPr>
-            <p:ph type="title"/>
-          </p:nvPr>
-        </p:nvSpPr>
-        <p:spPr>
-          <a:prstGeom prst="rect">
-            <a:avLst/>
-          </a:prstGeom>
-        </p:spPr>
-        <p:txBody>
-          <a:bodyPr/>
-          <a:lstStyle/>
-          <a:p>
-            <a:pPr/>
-            <a:r>
-              <a:t>Python Comprehensions</a:t>
-            </a:r>
-          </a:p>
-        </p:txBody>
-      </p:sp>
-      <p:sp>
-        <p:nvSpPr>
-          <p:cNvPr id="183" name="What…"/>
-          <p:cNvSpPr txBox="1"/>
-          <p:nvPr>
-            <p:ph type="body" idx="1"/>
-          </p:nvPr>
-        </p:nvSpPr>
-        <p:spPr>
-          <a:prstGeom prst="rect">
-            <a:avLst/>
-          </a:prstGeom>
-        </p:spPr>
-        <p:txBody>
-          <a:bodyPr lIns="88900" tIns="88900" rIns="88900" bIns="88900"/>
-          <a:lstStyle/>
-          <a:p>
-            <a:pPr marL="609600" indent="-609600">
-              <a:defRPr sz="6800"/>
-            </a:pPr>
-            <a:r>
-              <a:t>What</a:t>
-            </a:r>
-          </a:p>
-          <a:p>
-            <a:pPr marL="609600" indent="-609600">
-              <a:defRPr sz="6800"/>
-            </a:pPr>
-            <a:r>
-              <a:t>Why</a:t>
-            </a:r>
-          </a:p>
-          <a:p>
-            <a:pPr marL="609600" indent="-609600">
-              <a:defRPr sz="6800"/>
-            </a:pPr>
-            <a:r>
-              <a:t>When</a:t>
-            </a:r>
-          </a:p>
-        </p:txBody>
-      </p:sp>
-    </p:spTree>
-  </p:cSld>
-  <p:clrMapOvr>
-    <a:masterClrMapping/>
-  </p:clrMapOvr>
-  <p:transition xmlns:p14="http://schemas.microsoft.com/office/powerpoint/2010/main" spd="med" advClick="1"/>
 </p:sld>
 </file>
 
@@ -7171,8 +6104,8 @@
       </p:par>
     </p:tnLst>
     <p:bldLst>
+      <p:bldP build="whole" bldLvl="1" animBg="1" rev="0" advAuto="0" spid="187" grpId="1"/>
       <p:bldP build="whole" bldLvl="1" animBg="1" rev="0" advAuto="0" spid="189" grpId="2"/>
-      <p:bldP build="whole" bldLvl="1" animBg="1" rev="0" advAuto="0" spid="187" grpId="1"/>
     </p:bldLst>
   </p:timing>
 </p:sld>
@@ -7883,6 +6816,98 @@
           <a:lstStyle/>
           <a:p>
             <a:pPr/>
+          </a:p>
+        </p:txBody>
+      </p:sp>
+      <p:sp>
+        <p:nvSpPr>
+          <p:cNvPr id="210" name="BLD"/>
+          <p:cNvSpPr txBox="1"/>
+          <p:nvPr/>
+        </p:nvSpPr>
+        <p:spPr>
+          <a:xfrm>
+            <a:off x="1206500" y="6692098"/>
+            <a:ext cx="21971000" cy="1433164"/>
+          </a:xfrm>
+          <a:prstGeom prst="rect">
+            <a:avLst/>
+          </a:prstGeom>
+          <a:ln w="12700">
+            <a:miter lim="400000"/>
+          </a:ln>
+          <a:extLst>
+            <a:ext uri="{C572A759-6A51-4108-AA02-DFA0A04FC94B}">
+              <ma14:wrappingTextBoxFlag xmlns:ma14="http://schemas.microsoft.com/office/mac/drawingml/2011/main" val="1"/>
+            </a:ext>
+          </a:extLst>
+        </p:spPr>
+        <p:txBody>
+          <a:bodyPr lIns="50800" tIns="50800" rIns="50800" bIns="50800">
+            <a:normAutofit fontScale="100000" lnSpcReduction="0"/>
+          </a:bodyPr>
+          <a:lstStyle>
+            <a:lvl1pPr>
+              <a:lnSpc>
+                <a:spcPct val="80000"/>
+              </a:lnSpc>
+              <a:spcBef>
+                <a:spcPts val="0"/>
+              </a:spcBef>
+              <a:defRPr b="1" spc="-170" sz="8500"/>
+            </a:lvl1pPr>
+          </a:lstStyle>
+          <a:p>
+            <a:pPr/>
+            <a:r>
+              <a:t>BLD</a:t>
+            </a:r>
+          </a:p>
+        </p:txBody>
+      </p:sp>
+      <p:sp>
+        <p:nvSpPr>
+          <p:cNvPr id="211" name="Box/Brackets  Loop  Do"/>
+          <p:cNvSpPr txBox="1"/>
+          <p:nvPr/>
+        </p:nvSpPr>
+        <p:spPr>
+          <a:xfrm>
+            <a:off x="6796464" y="6834089"/>
+            <a:ext cx="21971001" cy="934779"/>
+          </a:xfrm>
+          <a:prstGeom prst="rect">
+            <a:avLst/>
+          </a:prstGeom>
+          <a:ln w="12700">
+            <a:miter lim="400000"/>
+          </a:ln>
+          <a:extLst>
+            <a:ext uri="{C572A759-6A51-4108-AA02-DFA0A04FC94B}">
+              <ma14:wrappingTextBoxFlag xmlns:ma14="http://schemas.microsoft.com/office/mac/drawingml/2011/main" val="1"/>
+            </a:ext>
+          </a:extLst>
+        </p:spPr>
+        <p:txBody>
+          <a:bodyPr lIns="45719" rIns="45719">
+            <a:normAutofit fontScale="100000" lnSpcReduction="0"/>
+          </a:bodyPr>
+          <a:lstStyle>
+            <a:lvl1pPr defTabSz="825500">
+              <a:lnSpc>
+                <a:spcPct val="100000"/>
+              </a:lnSpc>
+              <a:spcBef>
+                <a:spcPts val="0"/>
+              </a:spcBef>
+              <a:defRPr b="1" sz="5500"/>
+            </a:lvl1pPr>
+          </a:lstStyle>
+          <a:p>
+            <a:pPr/>
+            <a:r>
+              <a:t>Box/Brackets  Loop  Do</a:t>
+            </a:r>
           </a:p>
         </p:txBody>
       </p:sp>
@@ -7969,7 +6994,7 @@
                                       <p:cBhvr>
                                         <p:cTn id="10" fill="hold"/>
                                         <p:tgtEl>
-                                          <p:spTgt spid="197"/>
+                                          <p:spTgt spid="210"/>
                                         </p:tgtEl>
                                         <p:attrNameLst>
                                           <p:attrName>style.visibility</p:attrName>
@@ -8013,7 +7038,7 @@
                                       <p:cBhvr>
                                         <p:cTn id="14" fill="hold"/>
                                         <p:tgtEl>
-                                          <p:spTgt spid="194"/>
+                                          <p:spTgt spid="211"/>
                                         </p:tgtEl>
                                         <p:attrNameLst>
                                           <p:attrName>style.visibility</p:attrName>
@@ -8057,42 +7082,7 @@
                                       <p:cBhvr>
                                         <p:cTn id="18" fill="hold"/>
                                         <p:tgtEl>
-                                          <p:spTgt spid="203"/>
-                                        </p:tgtEl>
-                                        <p:attrNameLst>
-                                          <p:attrName>style.visibility</p:attrName>
-                                        </p:attrNameLst>
-                                      </p:cBhvr>
-                                      <p:to>
-                                        <p:strVal val="visible"/>
-                                      </p:to>
-                                    </p:set>
-                                  </p:childTnLst>
-                                </p:cTn>
-                              </p:par>
-                            </p:childTnLst>
-                          </p:cTn>
-                        </p:par>
-                        <p:par>
-                          <p:cTn id="19" fill="hold">
-                            <p:stCondLst>
-                              <p:cond delay="0"/>
-                            </p:stCondLst>
-                            <p:childTnLst>
-                              <p:par>
-                                <p:cTn id="20" presetClass="entr" nodeType="afterEffect" presetSubtype="0" presetID="1" grpId="5" fill="hold">
-                                  <p:stCondLst>
-                                    <p:cond delay="0"/>
-                                  </p:stCondLst>
-                                  <p:iterate type="el" backwards="0">
-                                    <p:tmAbs val="0"/>
-                                  </p:iterate>
-                                  <p:childTnLst>
-                                    <p:set>
-                                      <p:cBhvr>
-                                        <p:cTn id="21" fill="hold"/>
-                                        <p:tgtEl>
-                                          <p:spTgt spid="207"/>
+                                          <p:spTgt spid="197"/>
                                         </p:tgtEl>
                                         <p:attrNameLst>
                                           <p:attrName>style.visibility</p:attrName>
@@ -8112,19 +7102,19 @@
                     </p:cTn>
                   </p:par>
                   <p:par>
-                    <p:cTn id="22" fill="hold">
+                    <p:cTn id="19" fill="hold">
                       <p:stCondLst>
                         <p:cond delay="indefinite"/>
                       </p:stCondLst>
                       <p:childTnLst>
                         <p:par>
-                          <p:cTn id="23" fill="hold">
+                          <p:cTn id="20" fill="hold">
                             <p:stCondLst>
                               <p:cond delay="0"/>
                             </p:stCondLst>
                             <p:childTnLst>
                               <p:par>
-                                <p:cTn id="24" presetClass="entr" nodeType="clickEffect" presetSubtype="0" presetID="1" grpId="6" fill="hold">
+                                <p:cTn id="21" presetClass="entr" nodeType="clickEffect" presetSubtype="0" presetID="1" grpId="5" fill="hold">
                                   <p:stCondLst>
                                     <p:cond delay="0"/>
                                   </p:stCondLst>
@@ -8134,9 +7124,9 @@
                                   <p:childTnLst>
                                     <p:set>
                                       <p:cBhvr>
-                                        <p:cTn id="25" fill="hold"/>
+                                        <p:cTn id="22" fill="hold"/>
                                         <p:tgtEl>
-                                          <p:spTgt spid="202"/>
+                                          <p:spTgt spid="194"/>
                                         </p:tgtEl>
                                         <p:attrNameLst>
                                           <p:attrName>style.visibility</p:attrName>
@@ -8156,11 +7146,46 @@
                     </p:cTn>
                   </p:par>
                   <p:par>
-                    <p:cTn id="26" fill="hold">
+                    <p:cTn id="23" fill="hold">
                       <p:stCondLst>
                         <p:cond delay="indefinite"/>
                       </p:stCondLst>
                       <p:childTnLst>
+                        <p:par>
+                          <p:cTn id="24" fill="hold">
+                            <p:stCondLst>
+                              <p:cond delay="0"/>
+                            </p:stCondLst>
+                            <p:childTnLst>
+                              <p:par>
+                                <p:cTn id="25" presetClass="entr" nodeType="clickEffect" presetSubtype="0" presetID="1" grpId="6" fill="hold">
+                                  <p:stCondLst>
+                                    <p:cond delay="0"/>
+                                  </p:stCondLst>
+                                  <p:iterate type="el" backwards="0">
+                                    <p:tmAbs val="0"/>
+                                  </p:iterate>
+                                  <p:childTnLst>
+                                    <p:set>
+                                      <p:cBhvr>
+                                        <p:cTn id="26" fill="hold"/>
+                                        <p:tgtEl>
+                                          <p:spTgt spid="203"/>
+                                        </p:tgtEl>
+                                        <p:attrNameLst>
+                                          <p:attrName>style.visibility</p:attrName>
+                                        </p:attrNameLst>
+                                      </p:cBhvr>
+                                      <p:to>
+                                        <p:strVal val="visible"/>
+                                      </p:to>
+                                    </p:set>
+                                  </p:childTnLst>
+                                </p:cTn>
+                              </p:par>
+                            </p:childTnLst>
+                          </p:cTn>
+                        </p:par>
                         <p:par>
                           <p:cTn id="27" fill="hold">
                             <p:stCondLst>
@@ -8168,7 +7193,7 @@
                             </p:stCondLst>
                             <p:childTnLst>
                               <p:par>
-                                <p:cTn id="28" presetClass="entr" nodeType="clickEffect" presetSubtype="0" presetID="1" grpId="7" fill="hold">
+                                <p:cTn id="28" presetClass="entr" nodeType="afterEffect" presetSubtype="0" presetID="1" grpId="7" fill="hold">
                                   <p:stCondLst>
                                     <p:cond delay="0"/>
                                   </p:stCondLst>
@@ -8180,7 +7205,7 @@
                                       <p:cBhvr>
                                         <p:cTn id="29" fill="hold"/>
                                         <p:tgtEl>
-                                          <p:spTgt spid="201"/>
+                                          <p:spTgt spid="207"/>
                                         </p:tgtEl>
                                         <p:attrNameLst>
                                           <p:attrName>style.visibility</p:attrName>
@@ -8224,7 +7249,7 @@
                                       <p:cBhvr>
                                         <p:cTn id="33" fill="hold"/>
                                         <p:tgtEl>
-                                          <p:spTgt spid="195"/>
+                                          <p:spTgt spid="202"/>
                                         </p:tgtEl>
                                         <p:attrNameLst>
                                           <p:attrName>style.visibility</p:attrName>
@@ -8268,7 +7293,7 @@
                                       <p:cBhvr>
                                         <p:cTn id="37" fill="hold"/>
                                         <p:tgtEl>
-                                          <p:spTgt spid="198"/>
+                                          <p:spTgt spid="201"/>
                                         </p:tgtEl>
                                         <p:attrNameLst>
                                           <p:attrName>style.visibility</p:attrName>
@@ -8312,7 +7337,7 @@
                                       <p:cBhvr>
                                         <p:cTn id="41" fill="hold"/>
                                         <p:tgtEl>
-                                          <p:spTgt spid="196"/>
+                                          <p:spTgt spid="195"/>
                                         </p:tgtEl>
                                         <p:attrNameLst>
                                           <p:attrName>style.visibility</p:attrName>
@@ -8356,7 +7381,7 @@
                                       <p:cBhvr>
                                         <p:cTn id="45" fill="hold"/>
                                         <p:tgtEl>
-                                          <p:spTgt spid="200"/>
+                                          <p:spTgt spid="198"/>
                                         </p:tgtEl>
                                         <p:attrNameLst>
                                           <p:attrName>style.visibility</p:attrName>
@@ -8400,7 +7425,7 @@
                                       <p:cBhvr>
                                         <p:cTn id="49" fill="hold"/>
                                         <p:tgtEl>
-                                          <p:spTgt spid="199"/>
+                                          <p:spTgt spid="196"/>
                                         </p:tgtEl>
                                         <p:attrNameLst>
                                           <p:attrName>style.visibility</p:attrName>
@@ -8444,7 +7469,7 @@
                                       <p:cBhvr>
                                         <p:cTn id="53" fill="hold"/>
                                         <p:tgtEl>
-                                          <p:spTgt spid="204"/>
+                                          <p:spTgt spid="200"/>
                                         </p:tgtEl>
                                         <p:attrNameLst>
                                           <p:attrName>style.visibility</p:attrName>
@@ -8488,7 +7513,7 @@
                                       <p:cBhvr>
                                         <p:cTn id="57" fill="hold"/>
                                         <p:tgtEl>
-                                          <p:spTgt spid="205"/>
+                                          <p:spTgt spid="199"/>
                                         </p:tgtEl>
                                         <p:attrNameLst>
                                           <p:attrName>style.visibility</p:attrName>
@@ -8532,7 +7557,7 @@
                                       <p:cBhvr>
                                         <p:cTn id="61" fill="hold"/>
                                         <p:tgtEl>
-                                          <p:spTgt spid="206"/>
+                                          <p:spTgt spid="204"/>
                                         </p:tgtEl>
                                         <p:attrNameLst>
                                           <p:attrName>style.visibility</p:attrName>
@@ -8576,7 +7601,7 @@
                                       <p:cBhvr>
                                         <p:cTn id="65" fill="hold"/>
                                         <p:tgtEl>
-                                          <p:spTgt spid="208"/>
+                                          <p:spTgt spid="205"/>
                                         </p:tgtEl>
                                         <p:attrNameLst>
                                           <p:attrName>style.visibility</p:attrName>
@@ -8620,6 +7645,94 @@
                                       <p:cBhvr>
                                         <p:cTn id="69" fill="hold"/>
                                         <p:tgtEl>
+                                          <p:spTgt spid="206"/>
+                                        </p:tgtEl>
+                                        <p:attrNameLst>
+                                          <p:attrName>style.visibility</p:attrName>
+                                        </p:attrNameLst>
+                                      </p:cBhvr>
+                                      <p:to>
+                                        <p:strVal val="visible"/>
+                                      </p:to>
+                                    </p:set>
+                                  </p:childTnLst>
+                                </p:cTn>
+                              </p:par>
+                            </p:childTnLst>
+                          </p:cTn>
+                        </p:par>
+                      </p:childTnLst>
+                    </p:cTn>
+                  </p:par>
+                  <p:par>
+                    <p:cTn id="70" fill="hold">
+                      <p:stCondLst>
+                        <p:cond delay="indefinite"/>
+                      </p:stCondLst>
+                      <p:childTnLst>
+                        <p:par>
+                          <p:cTn id="71" fill="hold">
+                            <p:stCondLst>
+                              <p:cond delay="0"/>
+                            </p:stCondLst>
+                            <p:childTnLst>
+                              <p:par>
+                                <p:cTn id="72" presetClass="entr" nodeType="clickEffect" presetSubtype="0" presetID="1" grpId="18" fill="hold">
+                                  <p:stCondLst>
+                                    <p:cond delay="0"/>
+                                  </p:stCondLst>
+                                  <p:iterate type="el" backwards="0">
+                                    <p:tmAbs val="0"/>
+                                  </p:iterate>
+                                  <p:childTnLst>
+                                    <p:set>
+                                      <p:cBhvr>
+                                        <p:cTn id="73" fill="hold"/>
+                                        <p:tgtEl>
+                                          <p:spTgt spid="208"/>
+                                        </p:tgtEl>
+                                        <p:attrNameLst>
+                                          <p:attrName>style.visibility</p:attrName>
+                                        </p:attrNameLst>
+                                      </p:cBhvr>
+                                      <p:to>
+                                        <p:strVal val="visible"/>
+                                      </p:to>
+                                    </p:set>
+                                  </p:childTnLst>
+                                </p:cTn>
+                              </p:par>
+                            </p:childTnLst>
+                          </p:cTn>
+                        </p:par>
+                      </p:childTnLst>
+                    </p:cTn>
+                  </p:par>
+                  <p:par>
+                    <p:cTn id="74" fill="hold">
+                      <p:stCondLst>
+                        <p:cond delay="indefinite"/>
+                      </p:stCondLst>
+                      <p:childTnLst>
+                        <p:par>
+                          <p:cTn id="75" fill="hold">
+                            <p:stCondLst>
+                              <p:cond delay="0"/>
+                            </p:stCondLst>
+                            <p:childTnLst>
+                              <p:par>
+                                <p:cTn id="76" presetClass="entr" nodeType="clickEffect" presetSubtype="0" presetID="1" grpId="19" fill="hold">
+                                  <p:stCondLst>
+                                    <p:cond delay="0"/>
+                                  </p:stCondLst>
+                                  <p:iterate type="el" backwards="0">
+                                    <p:tmAbs val="0"/>
+                                  </p:iterate>
+                                  <p:childTnLst>
+                                    <p:set>
+                                      <p:cBhvr>
+                                        <p:cTn id="77" fill="hold"/>
+                                        <p:tgtEl>
                                           <p:spTgt spid="209"/>
                                         </p:tgtEl>
                                         <p:attrNameLst>
@@ -8661,23 +7774,25 @@
       </p:par>
     </p:tnLst>
     <p:bldLst>
+      <p:bldP build="whole" bldLvl="1" animBg="1" rev="0" advAuto="0" spid="207" grpId="7"/>
+      <p:bldP build="whole" bldLvl="1" animBg="1" rev="0" advAuto="0" spid="205" grpId="16"/>
+      <p:bldP build="whole" bldLvl="1" animBg="1" rev="0" advAuto="0" spid="198" grpId="11"/>
+      <p:bldP build="whole" bldLvl="1" animBg="1" rev="0" advAuto="0" spid="201" grpId="9"/>
+      <p:bldP build="whole" bldLvl="1" animBg="1" rev="0" advAuto="0" spid="196" grpId="12"/>
+      <p:bldP build="whole" bldLvl="1" animBg="1" rev="0" advAuto="0" spid="197" grpId="4"/>
+      <p:bldP build="whole" bldLvl="1" animBg="1" rev="0" advAuto="0" spid="203" grpId="6"/>
       <p:bldP build="whole" bldLvl="1" animBg="1" rev="0" advAuto="0" spid="193" grpId="1"/>
-      <p:bldP build="whole" bldLvl="1" animBg="1" rev="0" advAuto="0" spid="206" grpId="15"/>
-      <p:bldP build="whole" bldLvl="1" animBg="1" rev="0" advAuto="0" spid="208" grpId="16"/>
-      <p:bldP build="whole" bldLvl="1" animBg="1" rev="0" advAuto="0" spid="198" grpId="9"/>
-      <p:bldP build="whole" bldLvl="1" animBg="1" rev="0" advAuto="0" spid="195" grpId="8"/>
-      <p:bldP build="whole" bldLvl="1" animBg="1" rev="0" advAuto="0" spid="209" grpId="17"/>
-      <p:bldP build="whole" bldLvl="1" animBg="1" rev="0" advAuto="0" spid="204" grpId="13"/>
-      <p:bldP build="whole" bldLvl="1" animBg="1" rev="0" advAuto="0" spid="200" grpId="11"/>
-      <p:bldP build="whole" bldLvl="1" animBg="1" rev="0" advAuto="0" spid="201" grpId="7"/>
-      <p:bldP build="whole" bldLvl="1" animBg="1" rev="0" advAuto="0" spid="197" grpId="2"/>
-      <p:bldP build="whole" bldLvl="1" animBg="1" rev="0" advAuto="0" spid="196" grpId="10"/>
-      <p:bldP build="whole" bldLvl="1" animBg="1" rev="0" advAuto="0" spid="202" grpId="6"/>
-      <p:bldP build="whole" bldLvl="1" animBg="1" rev="0" advAuto="0" spid="207" grpId="5"/>
-      <p:bldP build="whole" bldLvl="1" animBg="1" rev="0" advAuto="0" spid="205" grpId="14"/>
-      <p:bldP build="whole" bldLvl="1" animBg="1" rev="0" advAuto="0" spid="203" grpId="4"/>
-      <p:bldP build="whole" bldLvl="1" animBg="1" rev="0" advAuto="0" spid="199" grpId="12"/>
-      <p:bldP build="whole" bldLvl="1" animBg="1" rev="0" advAuto="0" spid="194" grpId="3"/>
+      <p:bldP build="whole" bldLvl="1" animBg="1" rev="0" advAuto="0" spid="199" grpId="14"/>
+      <p:bldP build="whole" bldLvl="1" animBg="1" rev="0" advAuto="0" spid="194" grpId="5"/>
+      <p:bldP build="whole" bldLvl="1" animBg="1" rev="0" advAuto="0" spid="204" grpId="15"/>
+      <p:bldP build="whole" bldLvl="1" animBg="1" rev="0" advAuto="0" spid="206" grpId="17"/>
+      <p:bldP build="whole" bldLvl="1" animBg="1" rev="0" advAuto="0" spid="209" grpId="19"/>
+      <p:bldP build="whole" bldLvl="1" animBg="1" rev="0" advAuto="0" spid="202" grpId="8"/>
+      <p:bldP build="whole" bldLvl="1" animBg="1" rev="0" advAuto="0" spid="210" grpId="2"/>
+      <p:bldP build="whole" bldLvl="1" animBg="1" rev="0" advAuto="0" spid="200" grpId="13"/>
+      <p:bldP build="whole" bldLvl="1" animBg="1" rev="0" advAuto="0" spid="208" grpId="18"/>
+      <p:bldP build="whole" bldLvl="1" animBg="1" rev="0" advAuto="0" spid="195" grpId="10"/>
+      <p:bldP build="whole" bldLvl="1" animBg="1" rev="0" advAuto="0" spid="211" grpId="3"/>
     </p:bldLst>
   </p:timing>
 </p:sld>
@@ -8702,7 +7817,7 @@
       </p:grpSpPr>
       <p:sp>
         <p:nvSpPr>
-          <p:cNvPr id="211" name="List Comprehension"/>
+          <p:cNvPr id="213" name="Set Comprehension"/>
           <p:cNvSpPr txBox="1"/>
           <p:nvPr>
             <p:ph type="title"/>
@@ -8719,20 +7834,24 @@
           <a:p>
             <a:pPr/>
             <a:r>
-              <a:t>List Comprehension</a:t>
-            </a:r>
-          </a:p>
-        </p:txBody>
-      </p:sp>
-      <p:sp>
-        <p:nvSpPr>
-          <p:cNvPr id="212" name="Why?"/>
+              <a:t>Set Comprehension</a:t>
+            </a:r>
+          </a:p>
+        </p:txBody>
+      </p:sp>
+      <p:sp>
+        <p:nvSpPr>
+          <p:cNvPr id="214" name="What?"/>
           <p:cNvSpPr txBox="1"/>
           <p:nvPr>
             <p:ph type="body" idx="21"/>
           </p:nvPr>
         </p:nvSpPr>
         <p:spPr>
+          <a:xfrm>
+            <a:off x="1206500" y="2249296"/>
+            <a:ext cx="21971000" cy="934780"/>
+          </a:xfrm>
           <a:prstGeom prst="rect">
             <a:avLst/>
           </a:prstGeom>
@@ -8748,20 +7867,24 @@
           <a:p>
             <a:pPr/>
             <a:r>
-              <a:t>Why?</a:t>
-            </a:r>
-          </a:p>
-        </p:txBody>
-      </p:sp>
-      <p:sp>
-        <p:nvSpPr>
-          <p:cNvPr id="213" name="Shorter and clearer than a traditional for loop + append()…"/>
+              <a:t>What?</a:t>
+            </a:r>
+          </a:p>
+        </p:txBody>
+      </p:sp>
+      <p:sp>
+        <p:nvSpPr>
+          <p:cNvPr id="215" name="Set comprehension is a similar syntax to list comprehension, but it builds a set(unique elements) instead of a list.…"/>
           <p:cNvSpPr txBox="1"/>
           <p:nvPr>
             <p:ph type="body" idx="1"/>
           </p:nvPr>
         </p:nvSpPr>
         <p:spPr>
+          <a:xfrm>
+            <a:off x="1206500" y="4248504"/>
+            <a:ext cx="16748567" cy="8256012"/>
+          </a:xfrm>
           <a:prstGeom prst="rect">
             <a:avLst/>
           </a:prstGeom>
@@ -8770,22 +7893,185 @@
           <a:bodyPr/>
           <a:lstStyle/>
           <a:p>
+            <a:pPr marL="0" indent="0" defTabSz="393192">
+              <a:lnSpc>
+                <a:spcPct val="100000"/>
+              </a:lnSpc>
+              <a:spcBef>
+                <a:spcPts val="0"/>
+              </a:spcBef>
+              <a:buSzTx/>
+              <a:buNone/>
+              <a:defRPr sz="5848">
+                <a:latin typeface="Helvetica"/>
+                <a:ea typeface="Helvetica"/>
+                <a:cs typeface="Helvetica"/>
+                <a:sym typeface="Helvetica"/>
+              </a:defRPr>
+            </a:pPr>
+            <a:r>
+              <a:t>Set comprehension is a similar syntax to list comprehension, but it builds a set(</a:t>
+            </a:r>
+            <a:r>
+              <a:rPr b="1"/>
+              <a:t>unique elements</a:t>
+            </a:r>
+            <a:r>
+              <a:t>) instead of a list.</a:t>
+            </a:r>
+          </a:p>
+          <a:p>
+            <a:pPr marL="0" indent="0" defTabSz="393192">
+              <a:lnSpc>
+                <a:spcPct val="100000"/>
+              </a:lnSpc>
+              <a:spcBef>
+                <a:spcPts val="0"/>
+              </a:spcBef>
+              <a:buSzTx/>
+              <a:buNone/>
+              <a:defRPr sz="5848">
+                <a:latin typeface="Helvetica"/>
+                <a:ea typeface="Helvetica"/>
+                <a:cs typeface="Helvetica"/>
+                <a:sym typeface="Helvetica"/>
+              </a:defRPr>
+            </a:pPr>
+          </a:p>
+          <a:p>
+            <a:pPr marL="0" indent="0" defTabSz="393192">
+              <a:lnSpc>
+                <a:spcPct val="100000"/>
+              </a:lnSpc>
+              <a:spcBef>
+                <a:spcPts val="0"/>
+              </a:spcBef>
+              <a:buSzTx/>
+              <a:buNone/>
+              <a:defRPr sz="5848">
+                <a:latin typeface="Helvetica"/>
+                <a:ea typeface="Helvetica"/>
+                <a:cs typeface="Helvetica"/>
+                <a:sym typeface="Helvetica"/>
+              </a:defRPr>
+            </a:pPr>
+          </a:p>
+          <a:p>
+            <a:pPr marL="0" indent="0" defTabSz="393192">
+              <a:lnSpc>
+                <a:spcPct val="100000"/>
+              </a:lnSpc>
+              <a:spcBef>
+                <a:spcPts val="0"/>
+              </a:spcBef>
+              <a:buSzTx/>
+              <a:buNone/>
+              <a:defRPr sz="5848">
+                <a:latin typeface="Helvetica"/>
+                <a:ea typeface="Helvetica"/>
+                <a:cs typeface="Helvetica"/>
+                <a:sym typeface="Helvetica"/>
+              </a:defRPr>
+            </a:pPr>
+          </a:p>
+          <a:p>
+            <a:pPr lvl="8" marL="0" indent="3145536" defTabSz="393192">
+              <a:lnSpc>
+                <a:spcPct val="100000"/>
+              </a:lnSpc>
+              <a:spcBef>
+                <a:spcPts val="0"/>
+              </a:spcBef>
+              <a:buSzTx/>
+              <a:buNone/>
+              <a:defRPr sz="4128">
+                <a:latin typeface="Helvetica"/>
+                <a:ea typeface="Helvetica"/>
+                <a:cs typeface="Helvetica"/>
+                <a:sym typeface="Helvetica"/>
+              </a:defRPr>
+            </a:pPr>
+            <a:r>
+              <a:t>-Based on: </a:t>
+            </a:r>
+            <a:r>
+              <a:rPr u="sng">
+                <a:hlinkClick r:id="rId2" invalidUrl="" action="" tgtFrame="" tooltip="" history="1" highlightClick="0" endSnd="0"/>
+              </a:rPr>
+              <a:t>Python Docs, Data Structure</a:t>
+            </a:r>
+            <a:r>
+              <a:t> 5.4 Sets</a:t>
+            </a:r>
+          </a:p>
+          <a:p>
+            <a:pPr lvl="7" marL="0" indent="2752344" defTabSz="393192">
+              <a:lnSpc>
+                <a:spcPct val="100000"/>
+              </a:lnSpc>
+              <a:spcBef>
+                <a:spcPts val="0"/>
+              </a:spcBef>
+              <a:buSzTx/>
+              <a:buNone/>
+              <a:defRPr sz="1978">
+                <a:latin typeface="Helvetica"/>
+                <a:ea typeface="Helvetica"/>
+                <a:cs typeface="Helvetica"/>
+                <a:sym typeface="Helvetica"/>
+              </a:defRPr>
+            </a:pPr>
+          </a:p>
+          <a:p>
+            <a:pPr marL="0" indent="0" defTabSz="393192">
+              <a:lnSpc>
+                <a:spcPct val="100000"/>
+              </a:lnSpc>
+              <a:spcBef>
+                <a:spcPts val="0"/>
+              </a:spcBef>
+              <a:buSzTx/>
+              <a:buNone/>
+              <a:defRPr sz="5848">
+                <a:latin typeface="Helvetica"/>
+                <a:ea typeface="Helvetica"/>
+                <a:cs typeface="Helvetica"/>
+                <a:sym typeface="Helvetica"/>
+              </a:defRPr>
+            </a:pPr>
+          </a:p>
+        </p:txBody>
+      </p:sp>
+      <p:sp>
+        <p:nvSpPr>
+          <p:cNvPr id="216" name="Text"/>
+          <p:cNvSpPr txBox="1"/>
+          <p:nvPr/>
+        </p:nvSpPr>
+        <p:spPr>
+          <a:xfrm>
+            <a:off x="1352859" y="5841425"/>
+            <a:ext cx="127001" cy="2033150"/>
+          </a:xfrm>
+          <a:prstGeom prst="rect">
+            <a:avLst/>
+          </a:prstGeom>
+          <a:ln w="12700">
+            <a:miter lim="400000"/>
+          </a:ln>
+          <a:extLst>
+            <a:ext uri="{C572A759-6A51-4108-AA02-DFA0A04FC94B}">
+              <ma14:wrappingTextBoxFlag xmlns:ma14="http://schemas.microsoft.com/office/mac/drawingml/2011/main" val="1"/>
+            </a:ext>
+          </a:extLst>
+        </p:spPr>
+        <p:txBody>
+          <a:bodyPr wrap="none" lIns="50800" tIns="50800" rIns="50800" bIns="50800" anchor="ctr">
+            <a:spAutoFit/>
+          </a:bodyPr>
+          <a:lstStyle/>
+          <a:p>
             <a:pPr/>
-            <a:r>
-              <a:t>Shorter and clearer than a traditional for loop + append()</a:t>
-            </a:r>
-          </a:p>
-          <a:p>
-            <a:pPr/>
-            <a:r>
-              <a:t>Improves code readability</a:t>
-            </a:r>
-          </a:p>
-          <a:p>
-            <a:pPr/>
-            <a:r>
-              <a:t>Efficient for generating or filtering lists</a:t>
-            </a:r>
           </a:p>
         </p:txBody>
       </p:sp>
@@ -8828,7 +8114,7 @@
                                       <p:cBhvr>
                                         <p:cTn id="6" fill="hold"/>
                                         <p:tgtEl>
-                                          <p:spTgt spid="213"/>
+                                          <p:spTgt spid="215"/>
                                         </p:tgtEl>
                                         <p:attrNameLst>
                                           <p:attrName>style.visibility</p:attrName>
@@ -8869,7 +8155,7 @@
       </p:par>
     </p:tnLst>
     <p:bldLst>
-      <p:bldP build="whole" bldLvl="1" animBg="1" rev="0" advAuto="0" spid="213" grpId="1"/>
+      <p:bldP build="whole" bldLvl="1" animBg="1" rev="0" advAuto="0" spid="215" grpId="1"/>
     </p:bldLst>
   </p:timing>
 </p:sld>
@@ -8894,13 +8180,17 @@
       </p:grpSpPr>
       <p:sp>
         <p:nvSpPr>
-          <p:cNvPr id="215" name="List Comprehension"/>
+          <p:cNvPr id="218" name="Set Comprehension"/>
           <p:cNvSpPr txBox="1"/>
           <p:nvPr>
             <p:ph type="title"/>
           </p:nvPr>
         </p:nvSpPr>
         <p:spPr>
+          <a:xfrm>
+            <a:off x="1206500" y="904477"/>
+            <a:ext cx="21971000" cy="1433164"/>
+          </a:xfrm>
           <a:prstGeom prst="rect">
             <a:avLst/>
           </a:prstGeom>
@@ -8911,20 +8201,24 @@
           <a:p>
             <a:pPr/>
             <a:r>
-              <a:t>List Comprehension</a:t>
-            </a:r>
-          </a:p>
-        </p:txBody>
-      </p:sp>
-      <p:sp>
-        <p:nvSpPr>
-          <p:cNvPr id="216" name="When?"/>
+              <a:t>Set Comprehension</a:t>
+            </a:r>
+          </a:p>
+        </p:txBody>
+      </p:sp>
+      <p:sp>
+        <p:nvSpPr>
+          <p:cNvPr id="219" name="Examples              “BLD”"/>
           <p:cNvSpPr txBox="1"/>
           <p:nvPr>
             <p:ph type="body" idx="21"/>
           </p:nvPr>
         </p:nvSpPr>
         <p:spPr>
+          <a:xfrm>
+            <a:off x="1206500" y="2249296"/>
+            <a:ext cx="21971000" cy="934780"/>
+          </a:xfrm>
           <a:prstGeom prst="rect">
             <a:avLst/>
           </a:prstGeom>
@@ -8940,38 +8234,332 @@
           <a:p>
             <a:pPr/>
             <a:r>
-              <a:t>When?</a:t>
-            </a:r>
-          </a:p>
-        </p:txBody>
-      </p:sp>
-      <p:sp>
-        <p:nvSpPr>
-          <p:cNvPr id="217" name="Create a new list from an existing one…"/>
+              <a:t>Examples              “BLD”                     </a:t>
+            </a:r>
+          </a:p>
+        </p:txBody>
+      </p:sp>
+      <p:sp>
+        <p:nvSpPr>
+          <p:cNvPr id="220" name="Double Arrow"/>
+          <p:cNvSpPr/>
+          <p:nvPr/>
+        </p:nvSpPr>
+        <p:spPr>
+          <a:xfrm>
+            <a:off x="5272582" y="4782827"/>
+            <a:ext cx="1397001" cy="452510"/>
+          </a:xfrm>
+          <a:prstGeom prst="leftRightArrow">
+            <a:avLst>
+              <a:gd name="adj1" fmla="val 32000"/>
+              <a:gd name="adj2" fmla="val 123489"/>
+            </a:avLst>
+          </a:prstGeom>
+          <a:solidFill>
+            <a:srgbClr val="FFFFFF"/>
+          </a:solidFill>
+          <a:ln w="12700">
+            <a:miter lim="400000"/>
+          </a:ln>
+        </p:spPr>
+        <p:txBody>
+          <a:bodyPr lIns="50800" tIns="50800" rIns="50800" bIns="50800" anchor="ctr"/>
+          <a:lstStyle/>
+          <a:p>
+            <a:pPr algn="ctr" defTabSz="825500">
+              <a:lnSpc>
+                <a:spcPct val="100000"/>
+              </a:lnSpc>
+              <a:spcBef>
+                <a:spcPts val="0"/>
+              </a:spcBef>
+              <a:defRPr sz="3200">
+                <a:solidFill>
+                  <a:srgbClr val="000000"/>
+                </a:solidFill>
+                <a:latin typeface="Helvetica Neue Medium"/>
+                <a:ea typeface="Helvetica Neue Medium"/>
+                <a:cs typeface="Helvetica Neue Medium"/>
+                <a:sym typeface="Helvetica Neue Medium"/>
+              </a:defRPr>
+            </a:pPr>
+          </a:p>
+        </p:txBody>
+      </p:sp>
+      <p:pic>
+        <p:nvPicPr>
+          <p:cNvPr id="221" name="Screenshot 2025-09-23 at 2.58.01 AM.png" descr="Screenshot 2025-09-23 at 2.58.01 AM.png"/>
+          <p:cNvPicPr>
+            <a:picLocks noChangeAspect="1"/>
+          </p:cNvPicPr>
+          <p:nvPr/>
+        </p:nvPicPr>
+        <p:blipFill>
+          <a:blip r:embed="rId2">
+            <a:extLst/>
+          </a:blip>
+          <a:stretch>
+            <a:fillRect/>
+          </a:stretch>
+        </p:blipFill>
+        <p:spPr>
+          <a:xfrm>
+            <a:off x="14645337" y="-6210734"/>
+            <a:ext cx="4114801" cy="1600201"/>
+          </a:xfrm>
+          <a:prstGeom prst="rect">
+            <a:avLst/>
+          </a:prstGeom>
+          <a:ln w="12700">
+            <a:miter lim="400000"/>
+          </a:ln>
+        </p:spPr>
+      </p:pic>
+      <p:pic>
+        <p:nvPicPr>
+          <p:cNvPr id="222" name="Screenshot 2025-09-23 at 3.16.25 AM.png" descr="Screenshot 2025-09-23 at 3.16.25 AM.png"/>
+          <p:cNvPicPr>
+            <a:picLocks noChangeAspect="1"/>
+          </p:cNvPicPr>
+          <p:nvPr/>
+        </p:nvPicPr>
+        <p:blipFill>
+          <a:blip r:embed="rId3">
+            <a:extLst/>
+          </a:blip>
+          <a:stretch>
+            <a:fillRect/>
+          </a:stretch>
+        </p:blipFill>
+        <p:spPr>
+          <a:xfrm>
+            <a:off x="1430612" y="4321825"/>
+            <a:ext cx="3238639" cy="2142225"/>
+          </a:xfrm>
+          <a:prstGeom prst="rect">
+            <a:avLst/>
+          </a:prstGeom>
+          <a:ln w="12700">
+            <a:miter lim="400000"/>
+          </a:ln>
+        </p:spPr>
+      </p:pic>
+      <p:pic>
+        <p:nvPicPr>
+          <p:cNvPr id="223" name="Screenshot 2025-09-23 at 3.16.34 AM.png" descr="Screenshot 2025-09-23 at 3.16.34 AM.png"/>
+          <p:cNvPicPr>
+            <a:picLocks noChangeAspect="1"/>
+          </p:cNvPicPr>
+          <p:nvPr/>
+        </p:nvPicPr>
+        <p:blipFill>
+          <a:blip r:embed="rId4">
+            <a:extLst/>
+          </a:blip>
+          <a:stretch>
+            <a:fillRect/>
+          </a:stretch>
+        </p:blipFill>
+        <p:spPr>
+          <a:xfrm>
+            <a:off x="7272914" y="4321825"/>
+            <a:ext cx="8753907" cy="1062976"/>
+          </a:xfrm>
+          <a:prstGeom prst="rect">
+            <a:avLst/>
+          </a:prstGeom>
+          <a:ln w="12700">
+            <a:miter lim="400000"/>
+          </a:ln>
+        </p:spPr>
+      </p:pic>
+      <p:pic>
+        <p:nvPicPr>
+          <p:cNvPr id="224" name="Screenshot 2025-09-23 at 3.19.21 AM.png" descr="Screenshot 2025-09-23 at 3.19.21 AM.png"/>
+          <p:cNvPicPr>
+            <a:picLocks noChangeAspect="1"/>
+          </p:cNvPicPr>
+          <p:nvPr/>
+        </p:nvPicPr>
+        <p:blipFill>
+          <a:blip r:embed="rId5">
+            <a:extLst/>
+          </a:blip>
+          <a:stretch>
+            <a:fillRect/>
+          </a:stretch>
+        </p:blipFill>
+        <p:spPr>
+          <a:xfrm>
+            <a:off x="1331996" y="8448234"/>
+            <a:ext cx="4305301" cy="495301"/>
+          </a:xfrm>
+          <a:prstGeom prst="rect">
+            <a:avLst/>
+          </a:prstGeom>
+          <a:ln w="12700">
+            <a:miter lim="400000"/>
+          </a:ln>
+        </p:spPr>
+      </p:pic>
+      <p:pic>
+        <p:nvPicPr>
+          <p:cNvPr id="225" name="Screenshot 2025-09-23 at 3.19.34 AM.png" descr="Screenshot 2025-09-23 at 3.19.34 AM.png"/>
+          <p:cNvPicPr>
+            <a:picLocks noChangeAspect="1"/>
+          </p:cNvPicPr>
+          <p:nvPr/>
+        </p:nvPicPr>
+        <p:blipFill>
+          <a:blip r:embed="rId6">
+            <a:extLst/>
+          </a:blip>
+          <a:stretch>
+            <a:fillRect/>
+          </a:stretch>
+        </p:blipFill>
+        <p:spPr>
+          <a:xfrm>
+            <a:off x="7380589" y="8316021"/>
+            <a:ext cx="4305301" cy="546101"/>
+          </a:xfrm>
+          <a:prstGeom prst="rect">
+            <a:avLst/>
+          </a:prstGeom>
+          <a:ln w="12700">
+            <a:miter lim="400000"/>
+          </a:ln>
+        </p:spPr>
+      </p:pic>
+      <p:sp>
+        <p:nvSpPr>
+          <p:cNvPr id="226" name="Output:"/>
           <p:cNvSpPr txBox="1"/>
-          <p:nvPr>
-            <p:ph type="body" idx="1"/>
-          </p:nvPr>
-        </p:nvSpPr>
-        <p:spPr>
-          <a:prstGeom prst="rect">
-            <a:avLst/>
-          </a:prstGeom>
-        </p:spPr>
-        <p:txBody>
-          <a:bodyPr/>
+          <p:nvPr/>
+        </p:nvSpPr>
+        <p:spPr>
+          <a:xfrm>
+            <a:off x="1206500" y="6834089"/>
+            <a:ext cx="21971000" cy="934779"/>
+          </a:xfrm>
+          <a:prstGeom prst="rect">
+            <a:avLst/>
+          </a:prstGeom>
+          <a:ln w="12700">
+            <a:miter lim="400000"/>
+          </a:ln>
+          <a:extLst>
+            <a:ext uri="{C572A759-6A51-4108-AA02-DFA0A04FC94B}">
+              <ma14:wrappingTextBoxFlag xmlns:ma14="http://schemas.microsoft.com/office/mac/drawingml/2011/main" val="1"/>
+            </a:ext>
+          </a:extLst>
+        </p:spPr>
+        <p:txBody>
+          <a:bodyPr lIns="45719" rIns="45719">
+            <a:normAutofit fontScale="100000" lnSpcReduction="0"/>
+          </a:bodyPr>
+          <a:lstStyle>
+            <a:lvl1pPr defTabSz="825500">
+              <a:lnSpc>
+                <a:spcPct val="100000"/>
+              </a:lnSpc>
+              <a:spcBef>
+                <a:spcPts val="0"/>
+              </a:spcBef>
+              <a:defRPr b="1" sz="5500"/>
+            </a:lvl1pPr>
+          </a:lstStyle>
+          <a:p>
+            <a:pPr/>
+            <a:r>
+              <a:t>Output:</a:t>
+            </a:r>
+          </a:p>
+        </p:txBody>
+      </p:sp>
+      <p:sp>
+        <p:nvSpPr>
+          <p:cNvPr id="227" name="Sets in Python are unordered collections of unique elements"/>
+          <p:cNvSpPr txBox="1"/>
+          <p:nvPr/>
+        </p:nvSpPr>
+        <p:spPr>
+          <a:xfrm>
+            <a:off x="1187967" y="9805537"/>
+            <a:ext cx="16690545" cy="820519"/>
+          </a:xfrm>
+          <a:prstGeom prst="rect">
+            <a:avLst/>
+          </a:prstGeom>
+          <a:ln w="12700">
+            <a:miter lim="400000"/>
+          </a:ln>
+          <a:extLst>
+            <a:ext uri="{C572A759-6A51-4108-AA02-DFA0A04FC94B}">
+              <ma14:wrappingTextBoxFlag xmlns:ma14="http://schemas.microsoft.com/office/mac/drawingml/2011/main" val="1"/>
+            </a:ext>
+          </a:extLst>
+        </p:spPr>
+        <p:txBody>
+          <a:bodyPr wrap="none" lIns="50800" tIns="50800" rIns="50800" bIns="50800" anchor="ctr">
+            <a:spAutoFit/>
+          </a:bodyPr>
           <a:lstStyle/>
           <a:p>
             <a:pPr/>
             <a:r>
-              <a:t>Create a new list from an existing one</a:t>
-            </a:r>
-          </a:p>
-          <a:p>
-            <a:pPr/>
-            <a:r>
-              <a:t>Transform or filter elements in a concise way</a:t>
-            </a:r>
+              <a:t>Sets in Python are </a:t>
+            </a:r>
+            <a:r>
+              <a:rPr b="1"/>
+              <a:t>unordered</a:t>
+            </a:r>
+            <a:r>
+              <a:t> collections of unique elements</a:t>
+            </a:r>
+          </a:p>
+        </p:txBody>
+      </p:sp>
+      <p:sp>
+        <p:nvSpPr>
+          <p:cNvPr id="228" name="Oval"/>
+          <p:cNvSpPr/>
+          <p:nvPr/>
+        </p:nvSpPr>
+        <p:spPr>
+          <a:xfrm>
+            <a:off x="14672343" y="4391360"/>
+            <a:ext cx="1696663" cy="389010"/>
+          </a:xfrm>
+          <a:prstGeom prst="ellipse">
+            <a:avLst/>
+          </a:prstGeom>
+          <a:ln w="63500">
+            <a:solidFill>
+              <a:schemeClr val="accent5"/>
+            </a:solidFill>
+            <a:miter lim="400000"/>
+          </a:ln>
+        </p:spPr>
+        <p:txBody>
+          <a:bodyPr lIns="50800" tIns="50800" rIns="50800" bIns="50800" anchor="ctr"/>
+          <a:lstStyle/>
+          <a:p>
+            <a:pPr algn="ctr" defTabSz="825500">
+              <a:lnSpc>
+                <a:spcPct val="100000"/>
+              </a:lnSpc>
+              <a:spcBef>
+                <a:spcPts val="0"/>
+              </a:spcBef>
+              <a:defRPr sz="3200">
+                <a:latin typeface="Helvetica Neue Medium"/>
+                <a:ea typeface="Helvetica Neue Medium"/>
+                <a:cs typeface="Helvetica Neue Medium"/>
+                <a:sym typeface="Helvetica Neue Medium"/>
+              </a:defRPr>
+            </a:pPr>
           </a:p>
         </p:txBody>
       </p:sp>
@@ -9014,858 +8602,7 @@
                                       <p:cBhvr>
                                         <p:cTn id="6" fill="hold"/>
                                         <p:tgtEl>
-                                          <p:spTgt spid="217"/>
-                                        </p:tgtEl>
-                                        <p:attrNameLst>
-                                          <p:attrName>style.visibility</p:attrName>
-                                        </p:attrNameLst>
-                                      </p:cBhvr>
-                                      <p:to>
-                                        <p:strVal val="visible"/>
-                                      </p:to>
-                                    </p:set>
-                                  </p:childTnLst>
-                                </p:cTn>
-                              </p:par>
-                            </p:childTnLst>
-                          </p:cTn>
-                        </p:par>
-                      </p:childTnLst>
-                    </p:cTn>
-                  </p:par>
-                </p:childTnLst>
-              </p:cTn>
-              <p:prevCondLst>
-                <p:cond evt="onPrev">
-                  <p:tgtEl>
-                    <p:sldTgt/>
-                  </p:tgtEl>
-                </p:cond>
-              </p:prevCondLst>
-              <p:nextCondLst>
-                <p:cond evt="onNext">
-                  <p:tgtEl>
-                    <p:sldTgt/>
-                  </p:tgtEl>
-                </p:cond>
-              </p:nextCondLst>
-            </p:seq>
-          </p:childTnLst>
-        </p:cTn>
-      </p:par>
-    </p:tnLst>
-    <p:bldLst>
-      <p:bldP build="whole" bldLvl="1" animBg="1" rev="0" advAuto="0" spid="217" grpId="1"/>
-    </p:bldLst>
-  </p:timing>
-</p:sld>
-</file>
-
-<file path=ppt/slides/slide8.xml><?xml version="1.0" encoding="utf-8"?>
-<p:sld xmlns:a="http://schemas.openxmlformats.org/drawingml/2006/main" xmlns:r="http://schemas.openxmlformats.org/officeDocument/2006/relationships" xmlns:p="http://schemas.openxmlformats.org/presentationml/2006/main" xmlns:m="http://schemas.openxmlformats.org/officeDocument/2006/math" xmlns:a14="http://schemas.microsoft.com/office/drawing/2010/main" showMasterSp="1" showMasterPhAnim="1">
-  <p:cSld>
-    <p:spTree>
-      <p:nvGrpSpPr>
-        <p:cNvPr id="1" name=""/>
-        <p:cNvGrpSpPr/>
-        <p:nvPr/>
-      </p:nvGrpSpPr>
-      <p:grpSpPr>
-        <a:xfrm>
-          <a:off x="0" y="0"/>
-          <a:ext cx="0" cy="0"/>
-          <a:chOff x="0" y="0"/>
-          <a:chExt cx="0" cy="0"/>
-        </a:xfrm>
-      </p:grpSpPr>
-      <p:sp>
-        <p:nvSpPr>
-          <p:cNvPr id="219" name="Set Comprehension"/>
-          <p:cNvSpPr txBox="1"/>
-          <p:nvPr>
-            <p:ph type="title"/>
-          </p:nvPr>
-        </p:nvSpPr>
-        <p:spPr>
-          <a:prstGeom prst="rect">
-            <a:avLst/>
-          </a:prstGeom>
-        </p:spPr>
-        <p:txBody>
-          <a:bodyPr/>
-          <a:lstStyle/>
-          <a:p>
-            <a:pPr/>
-            <a:r>
-              <a:t>Set Comprehension</a:t>
-            </a:r>
-          </a:p>
-        </p:txBody>
-      </p:sp>
-      <p:sp>
-        <p:nvSpPr>
-          <p:cNvPr id="220" name="What?"/>
-          <p:cNvSpPr txBox="1"/>
-          <p:nvPr>
-            <p:ph type="body" idx="21"/>
-          </p:nvPr>
-        </p:nvSpPr>
-        <p:spPr>
-          <a:xfrm>
-            <a:off x="1206500" y="2249296"/>
-            <a:ext cx="21971000" cy="934780"/>
-          </a:xfrm>
-          <a:prstGeom prst="rect">
-            <a:avLst/>
-          </a:prstGeom>
-          <a:extLst>
-            <a:ext uri="{C572A759-6A51-4108-AA02-DFA0A04FC94B}">
-              <ma14:wrappingTextBoxFlag xmlns:ma14="http://schemas.microsoft.com/office/mac/drawingml/2011/main" val="1"/>
-            </a:ext>
-          </a:extLst>
-        </p:spPr>
-        <p:txBody>
-          <a:bodyPr/>
-          <a:lstStyle/>
-          <a:p>
-            <a:pPr/>
-            <a:r>
-              <a:t>What?</a:t>
-            </a:r>
-          </a:p>
-        </p:txBody>
-      </p:sp>
-      <p:sp>
-        <p:nvSpPr>
-          <p:cNvPr id="221" name="Set comprehension is a similar syntax to list comprehension, but it builds a set(unique elements) instead of a list.…"/>
-          <p:cNvSpPr txBox="1"/>
-          <p:nvPr>
-            <p:ph type="body" idx="1"/>
-          </p:nvPr>
-        </p:nvSpPr>
-        <p:spPr>
-          <a:xfrm>
-            <a:off x="1206500" y="4248504"/>
-            <a:ext cx="16748567" cy="8256012"/>
-          </a:xfrm>
-          <a:prstGeom prst="rect">
-            <a:avLst/>
-          </a:prstGeom>
-        </p:spPr>
-        <p:txBody>
-          <a:bodyPr/>
-          <a:lstStyle/>
-          <a:p>
-            <a:pPr marL="0" indent="0" defTabSz="393192">
-              <a:lnSpc>
-                <a:spcPct val="100000"/>
-              </a:lnSpc>
-              <a:spcBef>
-                <a:spcPts val="0"/>
-              </a:spcBef>
-              <a:buSzTx/>
-              <a:buNone/>
-              <a:defRPr sz="5848">
-                <a:latin typeface="Helvetica"/>
-                <a:ea typeface="Helvetica"/>
-                <a:cs typeface="Helvetica"/>
-                <a:sym typeface="Helvetica"/>
-              </a:defRPr>
-            </a:pPr>
-            <a:r>
-              <a:t>Set comprehension is a similar syntax to list comprehension, but it builds a set(</a:t>
-            </a:r>
-            <a:r>
-              <a:rPr b="1"/>
-              <a:t>unique elements</a:t>
-            </a:r>
-            <a:r>
-              <a:t>) instead of a list.</a:t>
-            </a:r>
-          </a:p>
-          <a:p>
-            <a:pPr marL="0" indent="0" defTabSz="393192">
-              <a:lnSpc>
-                <a:spcPct val="100000"/>
-              </a:lnSpc>
-              <a:spcBef>
-                <a:spcPts val="0"/>
-              </a:spcBef>
-              <a:buSzTx/>
-              <a:buNone/>
-              <a:defRPr sz="5848">
-                <a:latin typeface="Helvetica"/>
-                <a:ea typeface="Helvetica"/>
-                <a:cs typeface="Helvetica"/>
-                <a:sym typeface="Helvetica"/>
-              </a:defRPr>
-            </a:pPr>
-          </a:p>
-          <a:p>
-            <a:pPr marL="0" indent="0" defTabSz="393192">
-              <a:lnSpc>
-                <a:spcPct val="100000"/>
-              </a:lnSpc>
-              <a:spcBef>
-                <a:spcPts val="0"/>
-              </a:spcBef>
-              <a:buSzTx/>
-              <a:buNone/>
-              <a:defRPr sz="5848">
-                <a:latin typeface="Helvetica"/>
-                <a:ea typeface="Helvetica"/>
-                <a:cs typeface="Helvetica"/>
-                <a:sym typeface="Helvetica"/>
-              </a:defRPr>
-            </a:pPr>
-          </a:p>
-          <a:p>
-            <a:pPr marL="0" indent="0" defTabSz="393192">
-              <a:lnSpc>
-                <a:spcPct val="100000"/>
-              </a:lnSpc>
-              <a:spcBef>
-                <a:spcPts val="0"/>
-              </a:spcBef>
-              <a:buSzTx/>
-              <a:buNone/>
-              <a:defRPr sz="5848">
-                <a:latin typeface="Helvetica"/>
-                <a:ea typeface="Helvetica"/>
-                <a:cs typeface="Helvetica"/>
-                <a:sym typeface="Helvetica"/>
-              </a:defRPr>
-            </a:pPr>
-          </a:p>
-          <a:p>
-            <a:pPr lvl="8" marL="0" indent="3145536" defTabSz="393192">
-              <a:lnSpc>
-                <a:spcPct val="100000"/>
-              </a:lnSpc>
-              <a:spcBef>
-                <a:spcPts val="0"/>
-              </a:spcBef>
-              <a:buSzTx/>
-              <a:buNone/>
-              <a:defRPr sz="4128">
-                <a:latin typeface="Helvetica"/>
-                <a:ea typeface="Helvetica"/>
-                <a:cs typeface="Helvetica"/>
-                <a:sym typeface="Helvetica"/>
-              </a:defRPr>
-            </a:pPr>
-            <a:r>
-              <a:t>-Based on: </a:t>
-            </a:r>
-            <a:r>
-              <a:rPr u="sng">
-                <a:hlinkClick r:id="rId2" invalidUrl="" action="" tgtFrame="" tooltip="" history="1" highlightClick="0" endSnd="0"/>
-              </a:rPr>
-              <a:t>Python Docs, Data Structure</a:t>
-            </a:r>
-            <a:r>
-              <a:t> 5.4 Sets</a:t>
-            </a:r>
-          </a:p>
-          <a:p>
-            <a:pPr lvl="7" marL="0" indent="2752344" defTabSz="393192">
-              <a:lnSpc>
-                <a:spcPct val="100000"/>
-              </a:lnSpc>
-              <a:spcBef>
-                <a:spcPts val="0"/>
-              </a:spcBef>
-              <a:buSzTx/>
-              <a:buNone/>
-              <a:defRPr sz="1978">
-                <a:latin typeface="Helvetica"/>
-                <a:ea typeface="Helvetica"/>
-                <a:cs typeface="Helvetica"/>
-                <a:sym typeface="Helvetica"/>
-              </a:defRPr>
-            </a:pPr>
-          </a:p>
-          <a:p>
-            <a:pPr marL="0" indent="0" defTabSz="393192">
-              <a:lnSpc>
-                <a:spcPct val="100000"/>
-              </a:lnSpc>
-              <a:spcBef>
-                <a:spcPts val="0"/>
-              </a:spcBef>
-              <a:buSzTx/>
-              <a:buNone/>
-              <a:defRPr sz="5848">
-                <a:latin typeface="Helvetica"/>
-                <a:ea typeface="Helvetica"/>
-                <a:cs typeface="Helvetica"/>
-                <a:sym typeface="Helvetica"/>
-              </a:defRPr>
-            </a:pPr>
-          </a:p>
-        </p:txBody>
-      </p:sp>
-      <p:sp>
-        <p:nvSpPr>
-          <p:cNvPr id="222" name="Text"/>
-          <p:cNvSpPr txBox="1"/>
-          <p:nvPr/>
-        </p:nvSpPr>
-        <p:spPr>
-          <a:xfrm>
-            <a:off x="1352859" y="5841425"/>
-            <a:ext cx="127001" cy="2033150"/>
-          </a:xfrm>
-          <a:prstGeom prst="rect">
-            <a:avLst/>
-          </a:prstGeom>
-          <a:ln w="12700">
-            <a:miter lim="400000"/>
-          </a:ln>
-          <a:extLst>
-            <a:ext uri="{C572A759-6A51-4108-AA02-DFA0A04FC94B}">
-              <ma14:wrappingTextBoxFlag xmlns:ma14="http://schemas.microsoft.com/office/mac/drawingml/2011/main" val="1"/>
-            </a:ext>
-          </a:extLst>
-        </p:spPr>
-        <p:txBody>
-          <a:bodyPr wrap="none" lIns="50800" tIns="50800" rIns="50800" bIns="50800" anchor="ctr">
-            <a:spAutoFit/>
-          </a:bodyPr>
-          <a:lstStyle/>
-          <a:p>
-            <a:pPr/>
-          </a:p>
-        </p:txBody>
-      </p:sp>
-    </p:spTree>
-  </p:cSld>
-  <p:clrMapOvr>
-    <a:masterClrMapping/>
-  </p:clrMapOvr>
-  <p:transition xmlns:p14="http://schemas.microsoft.com/office/powerpoint/2010/main" spd="med" advClick="1"/>
-  <p:timing>
-    <p:tnLst>
-      <p:par>
-        <p:cTn id="1" nodeType="tmRoot" restart="never" dur="indefinite" fill="hold">
-          <p:childTnLst>
-            <p:seq concurrent="1" prevAc="none" nextAc="seek">
-              <p:cTn id="2" nodeType="mainSeq" dur="indefinite" fill="hold">
-                <p:childTnLst>
-                  <p:par>
-                    <p:cTn id="3" fill="hold">
-                      <p:stCondLst>
-                        <p:cond delay="indefinite"/>
-                      </p:stCondLst>
-                      <p:childTnLst>
-                        <p:par>
-                          <p:cTn id="4" fill="hold">
-                            <p:stCondLst>
-                              <p:cond delay="0"/>
-                            </p:stCondLst>
-                            <p:childTnLst>
-                              <p:par>
-                                <p:cTn id="5" presetClass="entr" nodeType="clickEffect" presetSubtype="0" presetID="1" grpId="1" fill="hold">
-                                  <p:stCondLst>
-                                    <p:cond delay="0"/>
-                                  </p:stCondLst>
-                                  <p:iterate type="el" backwards="0">
-                                    <p:tmAbs val="0"/>
-                                  </p:iterate>
-                                  <p:childTnLst>
-                                    <p:set>
-                                      <p:cBhvr>
-                                        <p:cTn id="6" fill="hold"/>
-                                        <p:tgtEl>
-                                          <p:spTgt spid="221"/>
-                                        </p:tgtEl>
-                                        <p:attrNameLst>
-                                          <p:attrName>style.visibility</p:attrName>
-                                        </p:attrNameLst>
-                                      </p:cBhvr>
-                                      <p:to>
-                                        <p:strVal val="visible"/>
-                                      </p:to>
-                                    </p:set>
-                                  </p:childTnLst>
-                                </p:cTn>
-                              </p:par>
-                            </p:childTnLst>
-                          </p:cTn>
-                        </p:par>
-                      </p:childTnLst>
-                    </p:cTn>
-                  </p:par>
-                </p:childTnLst>
-              </p:cTn>
-              <p:prevCondLst>
-                <p:cond evt="onPrev">
-                  <p:tgtEl>
-                    <p:sldTgt/>
-                  </p:tgtEl>
-                </p:cond>
-              </p:prevCondLst>
-              <p:nextCondLst>
-                <p:cond evt="onNext">
-                  <p:tgtEl>
-                    <p:sldTgt/>
-                  </p:tgtEl>
-                </p:cond>
-              </p:nextCondLst>
-            </p:seq>
-          </p:childTnLst>
-        </p:cTn>
-      </p:par>
-    </p:tnLst>
-    <p:bldLst>
-      <p:bldP build="whole" bldLvl="1" animBg="1" rev="0" advAuto="0" spid="221" grpId="1"/>
-    </p:bldLst>
-  </p:timing>
-</p:sld>
-</file>
-
-<file path=ppt/slides/slide9.xml><?xml version="1.0" encoding="utf-8"?>
-<p:sld xmlns:a="http://schemas.openxmlformats.org/drawingml/2006/main" xmlns:r="http://schemas.openxmlformats.org/officeDocument/2006/relationships" xmlns:p="http://schemas.openxmlformats.org/presentationml/2006/main" xmlns:m="http://schemas.openxmlformats.org/officeDocument/2006/math" xmlns:a14="http://schemas.microsoft.com/office/drawing/2010/main" showMasterSp="1" showMasterPhAnim="1">
-  <p:cSld>
-    <p:spTree>
-      <p:nvGrpSpPr>
-        <p:cNvPr id="1" name=""/>
-        <p:cNvGrpSpPr/>
-        <p:nvPr/>
-      </p:nvGrpSpPr>
-      <p:grpSpPr>
-        <a:xfrm>
-          <a:off x="0" y="0"/>
-          <a:ext cx="0" cy="0"/>
-          <a:chOff x="0" y="0"/>
-          <a:chExt cx="0" cy="0"/>
-        </a:xfrm>
-      </p:grpSpPr>
-      <p:sp>
-        <p:nvSpPr>
-          <p:cNvPr id="224" name="Set Comprehension"/>
-          <p:cNvSpPr txBox="1"/>
-          <p:nvPr>
-            <p:ph type="title"/>
-          </p:nvPr>
-        </p:nvSpPr>
-        <p:spPr>
-          <a:xfrm>
-            <a:off x="1206500" y="904477"/>
-            <a:ext cx="21971000" cy="1433164"/>
-          </a:xfrm>
-          <a:prstGeom prst="rect">
-            <a:avLst/>
-          </a:prstGeom>
-        </p:spPr>
-        <p:txBody>
-          <a:bodyPr/>
-          <a:lstStyle/>
-          <a:p>
-            <a:pPr/>
-            <a:r>
-              <a:t>Set Comprehension</a:t>
-            </a:r>
-          </a:p>
-        </p:txBody>
-      </p:sp>
-      <p:sp>
-        <p:nvSpPr>
-          <p:cNvPr id="225" name="Examples"/>
-          <p:cNvSpPr txBox="1"/>
-          <p:nvPr>
-            <p:ph type="body" idx="21"/>
-          </p:nvPr>
-        </p:nvSpPr>
-        <p:spPr>
-          <a:xfrm>
-            <a:off x="1206500" y="2249296"/>
-            <a:ext cx="21971000" cy="934780"/>
-          </a:xfrm>
-          <a:prstGeom prst="rect">
-            <a:avLst/>
-          </a:prstGeom>
-          <a:extLst>
-            <a:ext uri="{C572A759-6A51-4108-AA02-DFA0A04FC94B}">
-              <ma14:wrappingTextBoxFlag xmlns:ma14="http://schemas.microsoft.com/office/mac/drawingml/2011/main" val="1"/>
-            </a:ext>
-          </a:extLst>
-        </p:spPr>
-        <p:txBody>
-          <a:bodyPr/>
-          <a:lstStyle/>
-          <a:p>
-            <a:pPr/>
-            <a:r>
-              <a:t>Examples</a:t>
-            </a:r>
-          </a:p>
-        </p:txBody>
-      </p:sp>
-      <p:sp>
-        <p:nvSpPr>
-          <p:cNvPr id="226" name="Double Arrow"/>
-          <p:cNvSpPr/>
-          <p:nvPr/>
-        </p:nvSpPr>
-        <p:spPr>
-          <a:xfrm>
-            <a:off x="5272582" y="4782827"/>
-            <a:ext cx="1397001" cy="452510"/>
-          </a:xfrm>
-          <a:prstGeom prst="leftRightArrow">
-            <a:avLst>
-              <a:gd name="adj1" fmla="val 32000"/>
-              <a:gd name="adj2" fmla="val 123489"/>
-            </a:avLst>
-          </a:prstGeom>
-          <a:solidFill>
-            <a:srgbClr val="FFFFFF"/>
-          </a:solidFill>
-          <a:ln w="12700">
-            <a:miter lim="400000"/>
-          </a:ln>
-        </p:spPr>
-        <p:txBody>
-          <a:bodyPr lIns="50800" tIns="50800" rIns="50800" bIns="50800" anchor="ctr"/>
-          <a:lstStyle/>
-          <a:p>
-            <a:pPr algn="ctr" defTabSz="825500">
-              <a:lnSpc>
-                <a:spcPct val="100000"/>
-              </a:lnSpc>
-              <a:spcBef>
-                <a:spcPts val="0"/>
-              </a:spcBef>
-              <a:defRPr sz="3200">
-                <a:solidFill>
-                  <a:srgbClr val="000000"/>
-                </a:solidFill>
-                <a:latin typeface="Helvetica Neue Medium"/>
-                <a:ea typeface="Helvetica Neue Medium"/>
-                <a:cs typeface="Helvetica Neue Medium"/>
-                <a:sym typeface="Helvetica Neue Medium"/>
-              </a:defRPr>
-            </a:pPr>
-          </a:p>
-        </p:txBody>
-      </p:sp>
-      <p:pic>
-        <p:nvPicPr>
-          <p:cNvPr id="227" name="Screenshot 2025-09-23 at 2.58.01 AM.png" descr="Screenshot 2025-09-23 at 2.58.01 AM.png"/>
-          <p:cNvPicPr>
-            <a:picLocks noChangeAspect="1"/>
-          </p:cNvPicPr>
-          <p:nvPr/>
-        </p:nvPicPr>
-        <p:blipFill>
-          <a:blip r:embed="rId2">
-            <a:extLst/>
-          </a:blip>
-          <a:stretch>
-            <a:fillRect/>
-          </a:stretch>
-        </p:blipFill>
-        <p:spPr>
-          <a:xfrm>
-            <a:off x="14645337" y="-6210734"/>
-            <a:ext cx="4114801" cy="1600201"/>
-          </a:xfrm>
-          <a:prstGeom prst="rect">
-            <a:avLst/>
-          </a:prstGeom>
-          <a:ln w="12700">
-            <a:miter lim="400000"/>
-          </a:ln>
-        </p:spPr>
-      </p:pic>
-      <p:pic>
-        <p:nvPicPr>
-          <p:cNvPr id="228" name="Screenshot 2025-09-23 at 3.16.25 AM.png" descr="Screenshot 2025-09-23 at 3.16.25 AM.png"/>
-          <p:cNvPicPr>
-            <a:picLocks noChangeAspect="1"/>
-          </p:cNvPicPr>
-          <p:nvPr/>
-        </p:nvPicPr>
-        <p:blipFill>
-          <a:blip r:embed="rId3">
-            <a:extLst/>
-          </a:blip>
-          <a:stretch>
-            <a:fillRect/>
-          </a:stretch>
-        </p:blipFill>
-        <p:spPr>
-          <a:xfrm>
-            <a:off x="1430612" y="4321825"/>
-            <a:ext cx="3238639" cy="2142225"/>
-          </a:xfrm>
-          <a:prstGeom prst="rect">
-            <a:avLst/>
-          </a:prstGeom>
-          <a:ln w="12700">
-            <a:miter lim="400000"/>
-          </a:ln>
-        </p:spPr>
-      </p:pic>
-      <p:pic>
-        <p:nvPicPr>
-          <p:cNvPr id="229" name="Screenshot 2025-09-23 at 3.16.34 AM.png" descr="Screenshot 2025-09-23 at 3.16.34 AM.png"/>
-          <p:cNvPicPr>
-            <a:picLocks noChangeAspect="1"/>
-          </p:cNvPicPr>
-          <p:nvPr/>
-        </p:nvPicPr>
-        <p:blipFill>
-          <a:blip r:embed="rId4">
-            <a:extLst/>
-          </a:blip>
-          <a:stretch>
-            <a:fillRect/>
-          </a:stretch>
-        </p:blipFill>
-        <p:spPr>
-          <a:xfrm>
-            <a:off x="7272914" y="4321825"/>
-            <a:ext cx="8753907" cy="1062976"/>
-          </a:xfrm>
-          <a:prstGeom prst="rect">
-            <a:avLst/>
-          </a:prstGeom>
-          <a:ln w="12700">
-            <a:miter lim="400000"/>
-          </a:ln>
-        </p:spPr>
-      </p:pic>
-      <p:pic>
-        <p:nvPicPr>
-          <p:cNvPr id="230" name="Screenshot 2025-09-23 at 3.19.21 AM.png" descr="Screenshot 2025-09-23 at 3.19.21 AM.png"/>
-          <p:cNvPicPr>
-            <a:picLocks noChangeAspect="1"/>
-          </p:cNvPicPr>
-          <p:nvPr/>
-        </p:nvPicPr>
-        <p:blipFill>
-          <a:blip r:embed="rId5">
-            <a:extLst/>
-          </a:blip>
-          <a:stretch>
-            <a:fillRect/>
-          </a:stretch>
-        </p:blipFill>
-        <p:spPr>
-          <a:xfrm>
-            <a:off x="1331996" y="8448234"/>
-            <a:ext cx="4305301" cy="495301"/>
-          </a:xfrm>
-          <a:prstGeom prst="rect">
-            <a:avLst/>
-          </a:prstGeom>
-          <a:ln w="12700">
-            <a:miter lim="400000"/>
-          </a:ln>
-        </p:spPr>
-      </p:pic>
-      <p:pic>
-        <p:nvPicPr>
-          <p:cNvPr id="231" name="Screenshot 2025-09-23 at 3.19.34 AM.png" descr="Screenshot 2025-09-23 at 3.19.34 AM.png"/>
-          <p:cNvPicPr>
-            <a:picLocks noChangeAspect="1"/>
-          </p:cNvPicPr>
-          <p:nvPr/>
-        </p:nvPicPr>
-        <p:blipFill>
-          <a:blip r:embed="rId6">
-            <a:extLst/>
-          </a:blip>
-          <a:stretch>
-            <a:fillRect/>
-          </a:stretch>
-        </p:blipFill>
-        <p:spPr>
-          <a:xfrm>
-            <a:off x="7569876" y="8346001"/>
-            <a:ext cx="4305301" cy="546101"/>
-          </a:xfrm>
-          <a:prstGeom prst="rect">
-            <a:avLst/>
-          </a:prstGeom>
-          <a:ln w="12700">
-            <a:miter lim="400000"/>
-          </a:ln>
-        </p:spPr>
-      </p:pic>
-      <p:sp>
-        <p:nvSpPr>
-          <p:cNvPr id="232" name="Output:"/>
-          <p:cNvSpPr txBox="1"/>
-          <p:nvPr/>
-        </p:nvSpPr>
-        <p:spPr>
-          <a:xfrm>
-            <a:off x="1206500" y="6834089"/>
-            <a:ext cx="21971000" cy="934779"/>
-          </a:xfrm>
-          <a:prstGeom prst="rect">
-            <a:avLst/>
-          </a:prstGeom>
-          <a:ln w="12700">
-            <a:miter lim="400000"/>
-          </a:ln>
-          <a:extLst>
-            <a:ext uri="{C572A759-6A51-4108-AA02-DFA0A04FC94B}">
-              <ma14:wrappingTextBoxFlag xmlns:ma14="http://schemas.microsoft.com/office/mac/drawingml/2011/main" val="1"/>
-            </a:ext>
-          </a:extLst>
-        </p:spPr>
-        <p:txBody>
-          <a:bodyPr lIns="45719" rIns="45719">
-            <a:normAutofit fontScale="100000" lnSpcReduction="0"/>
-          </a:bodyPr>
-          <a:lstStyle>
-            <a:lvl1pPr defTabSz="825500">
-              <a:lnSpc>
-                <a:spcPct val="100000"/>
-              </a:lnSpc>
-              <a:spcBef>
-                <a:spcPts val="0"/>
-              </a:spcBef>
-              <a:defRPr b="1" sz="5500"/>
-            </a:lvl1pPr>
-          </a:lstStyle>
-          <a:p>
-            <a:pPr/>
-            <a:r>
-              <a:t>Output:</a:t>
-            </a:r>
-          </a:p>
-        </p:txBody>
-      </p:sp>
-      <p:sp>
-        <p:nvSpPr>
-          <p:cNvPr id="233" name="Sets in Python are unordered collections of unique elements"/>
-          <p:cNvSpPr txBox="1"/>
-          <p:nvPr/>
-        </p:nvSpPr>
-        <p:spPr>
-          <a:xfrm>
-            <a:off x="1187967" y="9805537"/>
-            <a:ext cx="16690545" cy="820519"/>
-          </a:xfrm>
-          <a:prstGeom prst="rect">
-            <a:avLst/>
-          </a:prstGeom>
-          <a:ln w="12700">
-            <a:miter lim="400000"/>
-          </a:ln>
-          <a:extLst>
-            <a:ext uri="{C572A759-6A51-4108-AA02-DFA0A04FC94B}">
-              <ma14:wrappingTextBoxFlag xmlns:ma14="http://schemas.microsoft.com/office/mac/drawingml/2011/main" val="1"/>
-            </a:ext>
-          </a:extLst>
-        </p:spPr>
-        <p:txBody>
-          <a:bodyPr wrap="none" lIns="50800" tIns="50800" rIns="50800" bIns="50800" anchor="ctr">
-            <a:spAutoFit/>
-          </a:bodyPr>
-          <a:lstStyle/>
-          <a:p>
-            <a:pPr/>
-            <a:r>
-              <a:t>Sets in Python are </a:t>
-            </a:r>
-            <a:r>
-              <a:rPr b="1"/>
-              <a:t>unordered</a:t>
-            </a:r>
-            <a:r>
-              <a:t> collections of unique elements</a:t>
-            </a:r>
-          </a:p>
-        </p:txBody>
-      </p:sp>
-      <p:sp>
-        <p:nvSpPr>
-          <p:cNvPr id="234" name="Oval"/>
-          <p:cNvSpPr/>
-          <p:nvPr/>
-        </p:nvSpPr>
-        <p:spPr>
-          <a:xfrm>
-            <a:off x="14672343" y="4391360"/>
-            <a:ext cx="1696663" cy="389010"/>
-          </a:xfrm>
-          <a:prstGeom prst="ellipse">
-            <a:avLst/>
-          </a:prstGeom>
-          <a:ln w="63500">
-            <a:solidFill>
-              <a:schemeClr val="accent5"/>
-            </a:solidFill>
-            <a:miter lim="400000"/>
-          </a:ln>
-        </p:spPr>
-        <p:txBody>
-          <a:bodyPr lIns="50800" tIns="50800" rIns="50800" bIns="50800" anchor="ctr"/>
-          <a:lstStyle/>
-          <a:p>
-            <a:pPr algn="ctr" defTabSz="825500">
-              <a:lnSpc>
-                <a:spcPct val="100000"/>
-              </a:lnSpc>
-              <a:spcBef>
-                <a:spcPts val="0"/>
-              </a:spcBef>
-              <a:defRPr sz="3200">
-                <a:latin typeface="Helvetica Neue Medium"/>
-                <a:ea typeface="Helvetica Neue Medium"/>
-                <a:cs typeface="Helvetica Neue Medium"/>
-                <a:sym typeface="Helvetica Neue Medium"/>
-              </a:defRPr>
-            </a:pPr>
-          </a:p>
-        </p:txBody>
-      </p:sp>
-    </p:spTree>
-  </p:cSld>
-  <p:clrMapOvr>
-    <a:masterClrMapping/>
-  </p:clrMapOvr>
-  <p:transition xmlns:p14="http://schemas.microsoft.com/office/powerpoint/2010/main" spd="med" advClick="1"/>
-  <p:timing>
-    <p:tnLst>
-      <p:par>
-        <p:cTn id="1" nodeType="tmRoot" restart="never" dur="indefinite" fill="hold">
-          <p:childTnLst>
-            <p:seq concurrent="1" prevAc="none" nextAc="seek">
-              <p:cTn id="2" nodeType="mainSeq" dur="indefinite" fill="hold">
-                <p:childTnLst>
-                  <p:par>
-                    <p:cTn id="3" fill="hold">
-                      <p:stCondLst>
-                        <p:cond delay="indefinite"/>
-                      </p:stCondLst>
-                      <p:childTnLst>
-                        <p:par>
-                          <p:cTn id="4" fill="hold">
-                            <p:stCondLst>
-                              <p:cond delay="0"/>
-                            </p:stCondLst>
-                            <p:childTnLst>
-                              <p:par>
-                                <p:cTn id="5" presetClass="entr" nodeType="clickEffect" presetSubtype="0" presetID="1" grpId="1" fill="hold">
-                                  <p:stCondLst>
-                                    <p:cond delay="0"/>
-                                  </p:stCondLst>
-                                  <p:iterate type="el" backwards="0">
-                                    <p:tmAbs val="0"/>
-                                  </p:iterate>
-                                  <p:childTnLst>
-                                    <p:set>
-                                      <p:cBhvr>
-                                        <p:cTn id="6" fill="hold"/>
-                                        <p:tgtEl>
-                                          <p:spTgt spid="226"/>
+                                          <p:spTgt spid="220"/>
                                         </p:tgtEl>
                                         <p:attrNameLst>
                                           <p:attrName>style.visibility</p:attrName>
@@ -9909,7 +8646,7 @@
                                       <p:cBhvr>
                                         <p:cTn id="10" fill="hold"/>
                                         <p:tgtEl>
-                                          <p:spTgt spid="228"/>
+                                          <p:spTgt spid="222"/>
                                         </p:tgtEl>
                                         <p:attrNameLst>
                                           <p:attrName>style.visibility</p:attrName>
@@ -9953,42 +8690,7 @@
                                       <p:cBhvr>
                                         <p:cTn id="14" fill="hold"/>
                                         <p:tgtEl>
-                                          <p:spTgt spid="229"/>
-                                        </p:tgtEl>
-                                        <p:attrNameLst>
-                                          <p:attrName>style.visibility</p:attrName>
-                                        </p:attrNameLst>
-                                      </p:cBhvr>
-                                      <p:to>
-                                        <p:strVal val="visible"/>
-                                      </p:to>
-                                    </p:set>
-                                  </p:childTnLst>
-                                </p:cTn>
-                              </p:par>
-                            </p:childTnLst>
-                          </p:cTn>
-                        </p:par>
-                        <p:par>
-                          <p:cTn id="15" fill="hold">
-                            <p:stCondLst>
-                              <p:cond delay="0"/>
-                            </p:stCondLst>
-                            <p:childTnLst>
-                              <p:par>
-                                <p:cTn id="16" presetClass="entr" nodeType="afterEffect" presetSubtype="0" presetID="1" grpId="4" fill="hold">
-                                  <p:stCondLst>
-                                    <p:cond delay="0"/>
-                                  </p:stCondLst>
-                                  <p:iterate type="el" backwards="0">
-                                    <p:tmAbs val="0"/>
-                                  </p:iterate>
-                                  <p:childTnLst>
-                                    <p:set>
-                                      <p:cBhvr>
-                                        <p:cTn id="17" fill="hold"/>
-                                        <p:tgtEl>
-                                          <p:spTgt spid="234"/>
+                                          <p:spTgt spid="223"/>
                                         </p:tgtEl>
                                         <p:attrNameLst>
                                           <p:attrName>style.visibility</p:attrName>
@@ -10008,19 +8710,19 @@
                     </p:cTn>
                   </p:par>
                   <p:par>
-                    <p:cTn id="18" fill="hold">
+                    <p:cTn id="15" fill="hold">
                       <p:stCondLst>
                         <p:cond delay="indefinite"/>
                       </p:stCondLst>
                       <p:childTnLst>
                         <p:par>
-                          <p:cTn id="19" fill="hold">
+                          <p:cTn id="16" fill="hold">
                             <p:stCondLst>
                               <p:cond delay="0"/>
                             </p:stCondLst>
                             <p:childTnLst>
                               <p:par>
-                                <p:cTn id="20" presetClass="entr" nodeType="clickEffect" presetSubtype="0" presetID="1" grpId="5" fill="hold">
+                                <p:cTn id="17" presetClass="entr" nodeType="clickEffect" presetSubtype="0" presetID="1" grpId="4" fill="hold">
                                   <p:stCondLst>
                                     <p:cond delay="0"/>
                                   </p:stCondLst>
@@ -10030,9 +8732,9 @@
                                   <p:childTnLst>
                                     <p:set>
                                       <p:cBhvr>
-                                        <p:cTn id="21" fill="hold"/>
+                                        <p:cTn id="18" fill="hold"/>
                                         <p:tgtEl>
-                                          <p:spTgt spid="232"/>
+                                          <p:spTgt spid="228"/>
                                         </p:tgtEl>
                                         <p:attrNameLst>
                                           <p:attrName>style.visibility</p:attrName>
@@ -10052,19 +8754,19 @@
                     </p:cTn>
                   </p:par>
                   <p:par>
-                    <p:cTn id="22" fill="hold">
+                    <p:cTn id="19" fill="hold">
                       <p:stCondLst>
                         <p:cond delay="indefinite"/>
                       </p:stCondLst>
                       <p:childTnLst>
                         <p:par>
-                          <p:cTn id="23" fill="hold">
+                          <p:cTn id="20" fill="hold">
                             <p:stCondLst>
                               <p:cond delay="0"/>
                             </p:stCondLst>
                             <p:childTnLst>
                               <p:par>
-                                <p:cTn id="24" presetClass="entr" nodeType="clickEffect" presetSubtype="0" presetID="1" grpId="6" fill="hold">
+                                <p:cTn id="21" presetClass="entr" nodeType="clickEffect" presetSubtype="0" presetID="1" grpId="5" fill="hold">
                                   <p:stCondLst>
                                     <p:cond delay="0"/>
                                   </p:stCondLst>
@@ -10074,9 +8776,9 @@
                                   <p:childTnLst>
                                     <p:set>
                                       <p:cBhvr>
-                                        <p:cTn id="25" fill="hold"/>
+                                        <p:cTn id="22" fill="hold"/>
                                         <p:tgtEl>
-                                          <p:spTgt spid="230"/>
+                                          <p:spTgt spid="226"/>
                                         </p:tgtEl>
                                         <p:attrNameLst>
                                           <p:attrName>style.visibility</p:attrName>
@@ -10096,19 +8798,19 @@
                     </p:cTn>
                   </p:par>
                   <p:par>
-                    <p:cTn id="26" fill="hold">
+                    <p:cTn id="23" fill="hold">
                       <p:stCondLst>
                         <p:cond delay="indefinite"/>
                       </p:stCondLst>
                       <p:childTnLst>
                         <p:par>
-                          <p:cTn id="27" fill="hold">
+                          <p:cTn id="24" fill="hold">
                             <p:stCondLst>
                               <p:cond delay="0"/>
                             </p:stCondLst>
                             <p:childTnLst>
                               <p:par>
-                                <p:cTn id="28" presetClass="entr" nodeType="clickEffect" presetSubtype="0" presetID="1" grpId="7" fill="hold">
+                                <p:cTn id="25" presetClass="entr" nodeType="clickEffect" presetSubtype="0" presetID="1" grpId="6" fill="hold">
                                   <p:stCondLst>
                                     <p:cond delay="0"/>
                                   </p:stCondLst>
@@ -10118,9 +8820,9 @@
                                   <p:childTnLst>
                                     <p:set>
                                       <p:cBhvr>
-                                        <p:cTn id="29" fill="hold"/>
+                                        <p:cTn id="26" fill="hold"/>
                                         <p:tgtEl>
-                                          <p:spTgt spid="231"/>
+                                          <p:spTgt spid="224"/>
                                         </p:tgtEl>
                                         <p:attrNameLst>
                                           <p:attrName>style.visibility</p:attrName>
@@ -10140,19 +8842,19 @@
                     </p:cTn>
                   </p:par>
                   <p:par>
-                    <p:cTn id="30" fill="hold">
+                    <p:cTn id="27" fill="hold">
                       <p:stCondLst>
                         <p:cond delay="indefinite"/>
                       </p:stCondLst>
                       <p:childTnLst>
                         <p:par>
-                          <p:cTn id="31" fill="hold">
+                          <p:cTn id="28" fill="hold">
                             <p:stCondLst>
                               <p:cond delay="0"/>
                             </p:stCondLst>
                             <p:childTnLst>
                               <p:par>
-                                <p:cTn id="32" presetClass="entr" nodeType="clickEffect" presetSubtype="0" presetID="1" grpId="8" fill="hold">
+                                <p:cTn id="29" presetClass="entr" nodeType="clickEffect" presetSubtype="0" presetID="1" grpId="7" fill="hold">
                                   <p:stCondLst>
                                     <p:cond delay="0"/>
                                   </p:stCondLst>
@@ -10162,9 +8864,53 @@
                                   <p:childTnLst>
                                     <p:set>
                                       <p:cBhvr>
-                                        <p:cTn id="33" fill="hold"/>
+                                        <p:cTn id="30" fill="hold"/>
                                         <p:tgtEl>
-                                          <p:spTgt spid="233"/>
+                                          <p:spTgt spid="225"/>
+                                        </p:tgtEl>
+                                        <p:attrNameLst>
+                                          <p:attrName>style.visibility</p:attrName>
+                                        </p:attrNameLst>
+                                      </p:cBhvr>
+                                      <p:to>
+                                        <p:strVal val="visible"/>
+                                      </p:to>
+                                    </p:set>
+                                  </p:childTnLst>
+                                </p:cTn>
+                              </p:par>
+                            </p:childTnLst>
+                          </p:cTn>
+                        </p:par>
+                      </p:childTnLst>
+                    </p:cTn>
+                  </p:par>
+                  <p:par>
+                    <p:cTn id="31" fill="hold">
+                      <p:stCondLst>
+                        <p:cond delay="indefinite"/>
+                      </p:stCondLst>
+                      <p:childTnLst>
+                        <p:par>
+                          <p:cTn id="32" fill="hold">
+                            <p:stCondLst>
+                              <p:cond delay="0"/>
+                            </p:stCondLst>
+                            <p:childTnLst>
+                              <p:par>
+                                <p:cTn id="33" presetClass="entr" nodeType="clickEffect" presetSubtype="0" presetID="1" grpId="8" fill="hold">
+                                  <p:stCondLst>
+                                    <p:cond delay="0"/>
+                                  </p:stCondLst>
+                                  <p:iterate type="el" backwards="0">
+                                    <p:tmAbs val="0"/>
+                                  </p:iterate>
+                                  <p:childTnLst>
+                                    <p:set>
+                                      <p:cBhvr>
+                                        <p:cTn id="34" fill="hold"/>
+                                        <p:tgtEl>
+                                          <p:spTgt spid="227"/>
                                         </p:tgtEl>
                                         <p:attrNameLst>
                                           <p:attrName>style.visibility</p:attrName>
@@ -10205,14 +8951,924 @@
       </p:par>
     </p:tnLst>
     <p:bldLst>
-      <p:bldP build="whole" bldLvl="1" animBg="1" rev="0" advAuto="0" spid="229" grpId="3"/>
-      <p:bldP build="whole" bldLvl="1" animBg="1" rev="0" advAuto="0" spid="232" grpId="5"/>
-      <p:bldP build="whole" bldLvl="1" animBg="1" rev="0" advAuto="0" spid="233" grpId="8"/>
-      <p:bldP build="whole" bldLvl="1" animBg="1" rev="0" advAuto="0" spid="231" grpId="7"/>
-      <p:bldP build="whole" bldLvl="1" animBg="1" rev="0" advAuto="0" spid="226" grpId="1"/>
-      <p:bldP build="whole" bldLvl="1" animBg="1" rev="0" advAuto="0" spid="228" grpId="2"/>
-      <p:bldP build="whole" bldLvl="1" animBg="1" rev="0" advAuto="0" spid="234" grpId="4"/>
-      <p:bldP build="whole" bldLvl="1" animBg="1" rev="0" advAuto="0" spid="230" grpId="6"/>
+      <p:bldP build="whole" bldLvl="1" animBg="1" rev="0" advAuto="0" spid="226" grpId="5"/>
+      <p:bldP build="whole" bldLvl="1" animBg="1" rev="0" advAuto="0" spid="220" grpId="1"/>
+      <p:bldP build="whole" bldLvl="1" animBg="1" rev="0" advAuto="0" spid="225" grpId="7"/>
+      <p:bldP build="whole" bldLvl="1" animBg="1" rev="0" advAuto="0" spid="223" grpId="3"/>
+      <p:bldP build="whole" bldLvl="1" animBg="1" rev="0" advAuto="0" spid="222" grpId="2"/>
+      <p:bldP build="whole" bldLvl="1" animBg="1" rev="0" advAuto="0" spid="228" grpId="4"/>
+      <p:bldP build="whole" bldLvl="1" animBg="1" rev="0" advAuto="0" spid="224" grpId="6"/>
+      <p:bldP build="whole" bldLvl="1" animBg="1" rev="0" advAuto="0" spid="227" grpId="8"/>
+    </p:bldLst>
+  </p:timing>
+</p:sld>
+</file>
+
+<file path=ppt/slides/slide8.xml><?xml version="1.0" encoding="utf-8"?>
+<p:sld xmlns:a="http://schemas.openxmlformats.org/drawingml/2006/main" xmlns:r="http://schemas.openxmlformats.org/officeDocument/2006/relationships" xmlns:p="http://schemas.openxmlformats.org/presentationml/2006/main" xmlns:m="http://schemas.openxmlformats.org/officeDocument/2006/math" xmlns:a14="http://schemas.microsoft.com/office/drawing/2010/main" showMasterSp="1" showMasterPhAnim="1">
+  <p:cSld>
+    <p:spTree>
+      <p:nvGrpSpPr>
+        <p:cNvPr id="1" name=""/>
+        <p:cNvGrpSpPr/>
+        <p:nvPr/>
+      </p:nvGrpSpPr>
+      <p:grpSpPr>
+        <a:xfrm>
+          <a:off x="0" y="0"/>
+          <a:ext cx="0" cy="0"/>
+          <a:chOff x="0" y="0"/>
+          <a:chExt cx="0" cy="0"/>
+        </a:xfrm>
+      </p:grpSpPr>
+      <p:sp>
+        <p:nvSpPr>
+          <p:cNvPr id="230" name="Dictionary Comprehension"/>
+          <p:cNvSpPr txBox="1"/>
+          <p:nvPr>
+            <p:ph type="title"/>
+          </p:nvPr>
+        </p:nvSpPr>
+        <p:spPr>
+          <a:prstGeom prst="rect">
+            <a:avLst/>
+          </a:prstGeom>
+        </p:spPr>
+        <p:txBody>
+          <a:bodyPr/>
+          <a:lstStyle/>
+          <a:p>
+            <a:pPr/>
+            <a:r>
+              <a:t>Dictionary Comprehension</a:t>
+            </a:r>
+          </a:p>
+        </p:txBody>
+      </p:sp>
+      <p:sp>
+        <p:nvSpPr>
+          <p:cNvPr id="231" name="What?"/>
+          <p:cNvSpPr txBox="1"/>
+          <p:nvPr>
+            <p:ph type="body" idx="21"/>
+          </p:nvPr>
+        </p:nvSpPr>
+        <p:spPr>
+          <a:prstGeom prst="rect">
+            <a:avLst/>
+          </a:prstGeom>
+          <a:extLst>
+            <a:ext uri="{C572A759-6A51-4108-AA02-DFA0A04FC94B}">
+              <ma14:wrappingTextBoxFlag xmlns:ma14="http://schemas.microsoft.com/office/mac/drawingml/2011/main" val="1"/>
+            </a:ext>
+          </a:extLst>
+        </p:spPr>
+        <p:txBody>
+          <a:bodyPr/>
+          <a:lstStyle/>
+          <a:p>
+            <a:pPr/>
+            <a:r>
+              <a:t>What?</a:t>
+            </a:r>
+          </a:p>
+        </p:txBody>
+      </p:sp>
+      <p:sp>
+        <p:nvSpPr>
+          <p:cNvPr id="232" name="Dictionary comprehension lets you build a dictionary from an iterable in a single line, mapping keys to values.…"/>
+          <p:cNvSpPr txBox="1"/>
+          <p:nvPr/>
+        </p:nvSpPr>
+        <p:spPr>
+          <a:xfrm>
+            <a:off x="1131549" y="4248504"/>
+            <a:ext cx="16748567" cy="8256012"/>
+          </a:xfrm>
+          <a:prstGeom prst="rect">
+            <a:avLst/>
+          </a:prstGeom>
+          <a:ln w="12700">
+            <a:miter lim="400000"/>
+          </a:ln>
+          <a:extLst>
+            <a:ext uri="{C572A759-6A51-4108-AA02-DFA0A04FC94B}">
+              <ma14:wrappingTextBoxFlag xmlns:ma14="http://schemas.microsoft.com/office/mac/drawingml/2011/main" val="1"/>
+            </a:ext>
+          </a:extLst>
+        </p:spPr>
+        <p:txBody>
+          <a:bodyPr lIns="50800" tIns="50800" rIns="50800" bIns="50800">
+            <a:normAutofit fontScale="100000" lnSpcReduction="0"/>
+          </a:bodyPr>
+          <a:lstStyle/>
+          <a:p>
+            <a:pPr defTabSz="388620">
+              <a:lnSpc>
+                <a:spcPct val="100000"/>
+              </a:lnSpc>
+              <a:spcBef>
+                <a:spcPts val="0"/>
+              </a:spcBef>
+              <a:defRPr sz="5780">
+                <a:latin typeface="Helvetica"/>
+                <a:ea typeface="Helvetica"/>
+                <a:cs typeface="Helvetica"/>
+                <a:sym typeface="Helvetica"/>
+              </a:defRPr>
+            </a:pPr>
+            <a:r>
+              <a:t>Dictionary comprehension lets you build a dictionary from an iterable in a single line, mapping keys to values.</a:t>
+            </a:r>
+          </a:p>
+          <a:p>
+            <a:pPr defTabSz="388620">
+              <a:lnSpc>
+                <a:spcPct val="100000"/>
+              </a:lnSpc>
+              <a:spcBef>
+                <a:spcPts val="0"/>
+              </a:spcBef>
+              <a:defRPr sz="5780">
+                <a:latin typeface="Helvetica"/>
+                <a:ea typeface="Helvetica"/>
+                <a:cs typeface="Helvetica"/>
+                <a:sym typeface="Helvetica"/>
+              </a:defRPr>
+            </a:pPr>
+          </a:p>
+          <a:p>
+            <a:pPr defTabSz="388620">
+              <a:lnSpc>
+                <a:spcPct val="100000"/>
+              </a:lnSpc>
+              <a:spcBef>
+                <a:spcPts val="0"/>
+              </a:spcBef>
+              <a:defRPr sz="5780">
+                <a:latin typeface="Helvetica"/>
+                <a:ea typeface="Helvetica"/>
+                <a:cs typeface="Helvetica"/>
+                <a:sym typeface="Helvetica"/>
+              </a:defRPr>
+            </a:pPr>
+          </a:p>
+          <a:p>
+            <a:pPr defTabSz="388620">
+              <a:lnSpc>
+                <a:spcPct val="100000"/>
+              </a:lnSpc>
+              <a:spcBef>
+                <a:spcPts val="0"/>
+              </a:spcBef>
+              <a:defRPr sz="5780">
+                <a:latin typeface="Helvetica"/>
+                <a:ea typeface="Helvetica"/>
+                <a:cs typeface="Helvetica"/>
+                <a:sym typeface="Helvetica"/>
+              </a:defRPr>
+            </a:pPr>
+          </a:p>
+          <a:p>
+            <a:pPr lvl="8" indent="3108960" defTabSz="388620">
+              <a:lnSpc>
+                <a:spcPct val="100000"/>
+              </a:lnSpc>
+              <a:spcBef>
+                <a:spcPts val="0"/>
+              </a:spcBef>
+              <a:defRPr sz="4080">
+                <a:latin typeface="Helvetica"/>
+                <a:ea typeface="Helvetica"/>
+                <a:cs typeface="Helvetica"/>
+                <a:sym typeface="Helvetica"/>
+              </a:defRPr>
+            </a:pPr>
+            <a:r>
+              <a:t>-Based on: </a:t>
+            </a:r>
+            <a:r>
+              <a:rPr u="sng">
+                <a:hlinkClick r:id="rId2" invalidUrl="" action="" tgtFrame="" tooltip="" history="1" highlightClick="0" endSnd="0"/>
+              </a:rPr>
+              <a:t>Python Docs, Data Structure</a:t>
+            </a:r>
+            <a:r>
+              <a:t> 5.5 Dictionaries</a:t>
+            </a:r>
+          </a:p>
+          <a:p>
+            <a:pPr defTabSz="388620">
+              <a:lnSpc>
+                <a:spcPct val="100000"/>
+              </a:lnSpc>
+              <a:spcBef>
+                <a:spcPts val="0"/>
+              </a:spcBef>
+              <a:defRPr sz="5780">
+                <a:latin typeface="Helvetica"/>
+                <a:ea typeface="Helvetica"/>
+                <a:cs typeface="Helvetica"/>
+                <a:sym typeface="Helvetica"/>
+              </a:defRPr>
+            </a:pPr>
+          </a:p>
+        </p:txBody>
+      </p:sp>
+    </p:spTree>
+  </p:cSld>
+  <p:clrMapOvr>
+    <a:masterClrMapping/>
+  </p:clrMapOvr>
+  <p:transition xmlns:p14="http://schemas.microsoft.com/office/powerpoint/2010/main" spd="med" advClick="1"/>
+  <p:timing>
+    <p:tnLst>
+      <p:par>
+        <p:cTn id="1" nodeType="tmRoot" restart="never" dur="indefinite" fill="hold">
+          <p:childTnLst>
+            <p:seq concurrent="1" prevAc="none" nextAc="seek">
+              <p:cTn id="2" nodeType="mainSeq" dur="indefinite" fill="hold">
+                <p:childTnLst>
+                  <p:par>
+                    <p:cTn id="3" fill="hold">
+                      <p:stCondLst>
+                        <p:cond delay="indefinite"/>
+                      </p:stCondLst>
+                      <p:childTnLst>
+                        <p:par>
+                          <p:cTn id="4" fill="hold">
+                            <p:stCondLst>
+                              <p:cond delay="0"/>
+                            </p:stCondLst>
+                            <p:childTnLst>
+                              <p:par>
+                                <p:cTn id="5" presetClass="entr" nodeType="clickEffect" presetSubtype="0" presetID="1" grpId="1" fill="hold">
+                                  <p:stCondLst>
+                                    <p:cond delay="0"/>
+                                  </p:stCondLst>
+                                  <p:iterate type="el" backwards="0">
+                                    <p:tmAbs val="0"/>
+                                  </p:iterate>
+                                  <p:childTnLst>
+                                    <p:set>
+                                      <p:cBhvr>
+                                        <p:cTn id="6" fill="hold"/>
+                                        <p:tgtEl>
+                                          <p:spTgt spid="232"/>
+                                        </p:tgtEl>
+                                        <p:attrNameLst>
+                                          <p:attrName>style.visibility</p:attrName>
+                                        </p:attrNameLst>
+                                      </p:cBhvr>
+                                      <p:to>
+                                        <p:strVal val="visible"/>
+                                      </p:to>
+                                    </p:set>
+                                  </p:childTnLst>
+                                </p:cTn>
+                              </p:par>
+                            </p:childTnLst>
+                          </p:cTn>
+                        </p:par>
+                      </p:childTnLst>
+                    </p:cTn>
+                  </p:par>
+                </p:childTnLst>
+              </p:cTn>
+              <p:prevCondLst>
+                <p:cond evt="onPrev">
+                  <p:tgtEl>
+                    <p:sldTgt/>
+                  </p:tgtEl>
+                </p:cond>
+              </p:prevCondLst>
+              <p:nextCondLst>
+                <p:cond evt="onNext">
+                  <p:tgtEl>
+                    <p:sldTgt/>
+                  </p:tgtEl>
+                </p:cond>
+              </p:nextCondLst>
+            </p:seq>
+          </p:childTnLst>
+        </p:cTn>
+      </p:par>
+    </p:tnLst>
+    <p:bldLst>
+      <p:bldP build="whole" bldLvl="1" animBg="1" rev="0" advAuto="0" spid="232" grpId="1"/>
+    </p:bldLst>
+  </p:timing>
+</p:sld>
+</file>
+
+<file path=ppt/slides/slide9.xml><?xml version="1.0" encoding="utf-8"?>
+<p:sld xmlns:a="http://schemas.openxmlformats.org/drawingml/2006/main" xmlns:r="http://schemas.openxmlformats.org/officeDocument/2006/relationships" xmlns:p="http://schemas.openxmlformats.org/presentationml/2006/main" xmlns:m="http://schemas.openxmlformats.org/officeDocument/2006/math" xmlns:a14="http://schemas.microsoft.com/office/drawing/2010/main" showMasterSp="1" showMasterPhAnim="1">
+  <p:cSld>
+    <p:spTree>
+      <p:nvGrpSpPr>
+        <p:cNvPr id="1" name=""/>
+        <p:cNvGrpSpPr/>
+        <p:nvPr/>
+      </p:nvGrpSpPr>
+      <p:grpSpPr>
+        <a:xfrm>
+          <a:off x="0" y="0"/>
+          <a:ext cx="0" cy="0"/>
+          <a:chOff x="0" y="0"/>
+          <a:chExt cx="0" cy="0"/>
+        </a:xfrm>
+      </p:grpSpPr>
+      <p:sp>
+        <p:nvSpPr>
+          <p:cNvPr id="234" name="Dictionary Comprehension"/>
+          <p:cNvSpPr txBox="1"/>
+          <p:nvPr>
+            <p:ph type="title"/>
+          </p:nvPr>
+        </p:nvSpPr>
+        <p:spPr>
+          <a:prstGeom prst="rect">
+            <a:avLst/>
+          </a:prstGeom>
+        </p:spPr>
+        <p:txBody>
+          <a:bodyPr/>
+          <a:lstStyle/>
+          <a:p>
+            <a:pPr/>
+            <a:r>
+              <a:t>Dictionary Comprehension</a:t>
+            </a:r>
+          </a:p>
+        </p:txBody>
+      </p:sp>
+      <p:sp>
+        <p:nvSpPr>
+          <p:cNvPr id="235" name="Examples                                “BLD”"/>
+          <p:cNvSpPr txBox="1"/>
+          <p:nvPr>
+            <p:ph type="body" idx="21"/>
+          </p:nvPr>
+        </p:nvSpPr>
+        <p:spPr>
+          <a:prstGeom prst="rect">
+            <a:avLst/>
+          </a:prstGeom>
+          <a:extLst>
+            <a:ext uri="{C572A759-6A51-4108-AA02-DFA0A04FC94B}">
+              <ma14:wrappingTextBoxFlag xmlns:ma14="http://schemas.microsoft.com/office/mac/drawingml/2011/main" val="1"/>
+            </a:ext>
+          </a:extLst>
+        </p:spPr>
+        <p:txBody>
+          <a:bodyPr/>
+          <a:lstStyle/>
+          <a:p>
+            <a:pPr/>
+            <a:r>
+              <a:t>Examples                                “BLD”</a:t>
+            </a:r>
+          </a:p>
+        </p:txBody>
+      </p:sp>
+      <p:pic>
+        <p:nvPicPr>
+          <p:cNvPr id="236" name="Screenshot 2025-09-24 at 12.55.23 AM.png" descr="Screenshot 2025-09-24 at 12.55.23 AM.png"/>
+          <p:cNvPicPr>
+            <a:picLocks noChangeAspect="1"/>
+          </p:cNvPicPr>
+          <p:nvPr/>
+        </p:nvPicPr>
+        <p:blipFill>
+          <a:blip r:embed="rId2">
+            <a:extLst/>
+          </a:blip>
+          <a:stretch>
+            <a:fillRect/>
+          </a:stretch>
+        </p:blipFill>
+        <p:spPr>
+          <a:xfrm>
+            <a:off x="1213863" y="3693598"/>
+            <a:ext cx="6241742" cy="2716994"/>
+          </a:xfrm>
+          <a:prstGeom prst="rect">
+            <a:avLst/>
+          </a:prstGeom>
+          <a:ln w="12700">
+            <a:miter lim="400000"/>
+          </a:ln>
+        </p:spPr>
+      </p:pic>
+      <p:pic>
+        <p:nvPicPr>
+          <p:cNvPr id="237" name="Screenshot 2025-09-24 at 12.57.03 AM.png" descr="Screenshot 2025-09-24 at 12.57.03 AM.png"/>
+          <p:cNvPicPr>
+            <a:picLocks noChangeAspect="1"/>
+          </p:cNvPicPr>
+          <p:nvPr/>
+        </p:nvPicPr>
+        <p:blipFill>
+          <a:blip r:embed="rId3">
+            <a:extLst/>
+          </a:blip>
+          <a:stretch>
+            <a:fillRect/>
+          </a:stretch>
+        </p:blipFill>
+        <p:spPr>
+          <a:xfrm>
+            <a:off x="10644994" y="4219386"/>
+            <a:ext cx="11836401" cy="1054101"/>
+          </a:xfrm>
+          <a:prstGeom prst="rect">
+            <a:avLst/>
+          </a:prstGeom>
+          <a:ln w="12700">
+            <a:miter lim="400000"/>
+          </a:ln>
+        </p:spPr>
+      </p:pic>
+      <p:sp>
+        <p:nvSpPr>
+          <p:cNvPr id="238" name="c# {'h': 1, 'e': 1, 'l': 2, 'o': 1}"/>
+          <p:cNvSpPr/>
+          <p:nvPr/>
+        </p:nvSpPr>
+        <p:spPr>
+          <a:xfrm>
+            <a:off x="9141335" y="4111436"/>
+            <a:ext cx="1270001" cy="1270001"/>
+          </a:xfrm>
+          <a:prstGeom prst="rightArrow">
+            <a:avLst>
+              <a:gd name="adj1" fmla="val 32000"/>
+              <a:gd name="adj2" fmla="val 64000"/>
+            </a:avLst>
+          </a:prstGeom>
+          <a:solidFill>
+            <a:srgbClr val="FFFFFF"/>
+          </a:solidFill>
+          <a:ln w="12700">
+            <a:miter lim="400000"/>
+          </a:ln>
+          <a:extLst>
+            <a:ext uri="{C572A759-6A51-4108-AA02-DFA0A04FC94B}">
+              <ma14:wrappingTextBoxFlag xmlns:ma14="http://schemas.microsoft.com/office/mac/drawingml/2011/main" val="1"/>
+            </a:ext>
+          </a:extLst>
+        </p:spPr>
+        <p:txBody>
+          <a:bodyPr lIns="50800" tIns="50800" rIns="50800" bIns="50800" anchor="ctr"/>
+          <a:lstStyle>
+            <a:lvl1pPr algn="ctr" defTabSz="825500">
+              <a:lnSpc>
+                <a:spcPct val="100000"/>
+              </a:lnSpc>
+              <a:spcBef>
+                <a:spcPts val="0"/>
+              </a:spcBef>
+              <a:defRPr sz="3200">
+                <a:solidFill>
+                  <a:srgbClr val="000000"/>
+                </a:solidFill>
+                <a:latin typeface="Helvetica Neue Medium"/>
+                <a:ea typeface="Helvetica Neue Medium"/>
+                <a:cs typeface="Helvetica Neue Medium"/>
+                <a:sym typeface="Helvetica Neue Medium"/>
+              </a:defRPr>
+            </a:lvl1pPr>
+          </a:lstStyle>
+          <a:p>
+            <a:pPr/>
+            <a:r>
+              <a:t>c# {'h': 1, 'e': 1, 'l': 2, 'o': 1}</a:t>
+            </a:r>
+          </a:p>
+        </p:txBody>
+      </p:sp>
+      <p:pic>
+        <p:nvPicPr>
+          <p:cNvPr id="239" name="Screenshot 2025-09-24 at 1.09.49 AM.png" descr="Screenshot 2025-09-24 at 1.09.49 AM.png"/>
+          <p:cNvPicPr>
+            <a:picLocks noChangeAspect="1"/>
+          </p:cNvPicPr>
+          <p:nvPr/>
+        </p:nvPicPr>
+        <p:blipFill>
+          <a:blip r:embed="rId4">
+            <a:extLst/>
+          </a:blip>
+          <a:stretch>
+            <a:fillRect/>
+          </a:stretch>
+        </p:blipFill>
+        <p:spPr>
+          <a:xfrm>
+            <a:off x="10832576" y="8633579"/>
+            <a:ext cx="9941022" cy="1130282"/>
+          </a:xfrm>
+          <a:prstGeom prst="rect">
+            <a:avLst/>
+          </a:prstGeom>
+          <a:ln w="12700">
+            <a:miter lim="400000"/>
+          </a:ln>
+        </p:spPr>
+      </p:pic>
+      <p:sp>
+        <p:nvSpPr>
+          <p:cNvPr id="240" name="c# {'h': 1, 'e': 1, 'l': 2, 'o': 1}"/>
+          <p:cNvSpPr/>
+          <p:nvPr/>
+        </p:nvSpPr>
+        <p:spPr>
+          <a:xfrm>
+            <a:off x="9141335" y="8563719"/>
+            <a:ext cx="1270001" cy="1270001"/>
+          </a:xfrm>
+          <a:prstGeom prst="rightArrow">
+            <a:avLst>
+              <a:gd name="adj1" fmla="val 32000"/>
+              <a:gd name="adj2" fmla="val 64000"/>
+            </a:avLst>
+          </a:prstGeom>
+          <a:solidFill>
+            <a:srgbClr val="FFFFFF"/>
+          </a:solidFill>
+          <a:ln w="12700">
+            <a:miter lim="400000"/>
+          </a:ln>
+          <a:extLst>
+            <a:ext uri="{C572A759-6A51-4108-AA02-DFA0A04FC94B}">
+              <ma14:wrappingTextBoxFlag xmlns:ma14="http://schemas.microsoft.com/office/mac/drawingml/2011/main" val="1"/>
+            </a:ext>
+          </a:extLst>
+        </p:spPr>
+        <p:txBody>
+          <a:bodyPr lIns="50800" tIns="50800" rIns="50800" bIns="50800" anchor="ctr"/>
+          <a:lstStyle>
+            <a:lvl1pPr algn="ctr" defTabSz="825500">
+              <a:lnSpc>
+                <a:spcPct val="100000"/>
+              </a:lnSpc>
+              <a:spcBef>
+                <a:spcPts val="0"/>
+              </a:spcBef>
+              <a:defRPr sz="3200">
+                <a:solidFill>
+                  <a:srgbClr val="000000"/>
+                </a:solidFill>
+                <a:latin typeface="Helvetica Neue Medium"/>
+                <a:ea typeface="Helvetica Neue Medium"/>
+                <a:cs typeface="Helvetica Neue Medium"/>
+                <a:sym typeface="Helvetica Neue Medium"/>
+              </a:defRPr>
+            </a:lvl1pPr>
+          </a:lstStyle>
+          <a:p>
+            <a:pPr/>
+            <a:r>
+              <a:t>c# {'h': 1, 'e': 1, 'l': 2, 'o': 1}</a:t>
+            </a:r>
+          </a:p>
+        </p:txBody>
+      </p:sp>
+      <p:pic>
+        <p:nvPicPr>
+          <p:cNvPr id="241" name="Screenshot 2025-09-24 at 1.41.29 AM.png" descr="Screenshot 2025-09-24 at 1.41.29 AM.png"/>
+          <p:cNvPicPr>
+            <a:picLocks noChangeAspect="1"/>
+          </p:cNvPicPr>
+          <p:nvPr/>
+        </p:nvPicPr>
+        <p:blipFill>
+          <a:blip r:embed="rId5">
+            <a:extLst/>
+          </a:blip>
+          <a:stretch>
+            <a:fillRect/>
+          </a:stretch>
+        </p:blipFill>
+        <p:spPr>
+          <a:xfrm>
+            <a:off x="1341286" y="8287576"/>
+            <a:ext cx="6309184" cy="2306424"/>
+          </a:xfrm>
+          <a:prstGeom prst="rect">
+            <a:avLst/>
+          </a:prstGeom>
+          <a:ln w="12700">
+            <a:miter lim="400000"/>
+          </a:ln>
+        </p:spPr>
+      </p:pic>
+    </p:spTree>
+  </p:cSld>
+  <p:clrMapOvr>
+    <a:masterClrMapping/>
+  </p:clrMapOvr>
+  <p:transition xmlns:p14="http://schemas.microsoft.com/office/powerpoint/2010/main" spd="med" advClick="1"/>
+  <p:timing>
+    <p:tnLst>
+      <p:par>
+        <p:cTn id="1" nodeType="tmRoot" restart="never" dur="indefinite" fill="hold">
+          <p:childTnLst>
+            <p:seq concurrent="1" prevAc="none" nextAc="seek">
+              <p:cTn id="2" nodeType="mainSeq" dur="indefinite" fill="hold">
+                <p:childTnLst>
+                  <p:par>
+                    <p:cTn id="3" fill="hold">
+                      <p:stCondLst>
+                        <p:cond delay="indefinite"/>
+                      </p:stCondLst>
+                      <p:childTnLst>
+                        <p:par>
+                          <p:cTn id="4" fill="hold">
+                            <p:stCondLst>
+                              <p:cond delay="0"/>
+                            </p:stCondLst>
+                            <p:childTnLst>
+                              <p:par>
+                                <p:cTn id="5" presetClass="entr" nodeType="clickEffect" presetSubtype="0" presetID="1" grpId="1" fill="hold">
+                                  <p:stCondLst>
+                                    <p:cond delay="0"/>
+                                  </p:stCondLst>
+                                  <p:iterate type="el" backwards="0">
+                                    <p:tmAbs val="0"/>
+                                  </p:iterate>
+                                  <p:childTnLst>
+                                    <p:set>
+                                      <p:cBhvr>
+                                        <p:cTn id="6" fill="hold"/>
+                                        <p:tgtEl>
+                                          <p:spTgt spid="236"/>
+                                        </p:tgtEl>
+                                        <p:attrNameLst>
+                                          <p:attrName>style.visibility</p:attrName>
+                                        </p:attrNameLst>
+                                      </p:cBhvr>
+                                      <p:to>
+                                        <p:strVal val="visible"/>
+                                      </p:to>
+                                    </p:set>
+                                  </p:childTnLst>
+                                </p:cTn>
+                              </p:par>
+                            </p:childTnLst>
+                          </p:cTn>
+                        </p:par>
+                      </p:childTnLst>
+                    </p:cTn>
+                  </p:par>
+                  <p:par>
+                    <p:cTn id="7" fill="hold">
+                      <p:stCondLst>
+                        <p:cond delay="indefinite"/>
+                      </p:stCondLst>
+                      <p:childTnLst>
+                        <p:par>
+                          <p:cTn id="8" fill="hold">
+                            <p:stCondLst>
+                              <p:cond delay="0"/>
+                            </p:stCondLst>
+                            <p:childTnLst>
+                              <p:par>
+                                <p:cTn id="9" presetClass="entr" nodeType="clickEffect" presetSubtype="0" presetID="1" grpId="2" fill="hold">
+                                  <p:stCondLst>
+                                    <p:cond delay="0"/>
+                                  </p:stCondLst>
+                                  <p:iterate type="el" backwards="0">
+                                    <p:tmAbs val="0"/>
+                                  </p:iterate>
+                                  <p:childTnLst>
+                                    <p:set>
+                                      <p:cBhvr>
+                                        <p:cTn id="10" fill="hold"/>
+                                        <p:tgtEl>
+                                          <p:spTgt spid="238"/>
+                                        </p:tgtEl>
+                                        <p:attrNameLst>
+                                          <p:attrName>style.visibility</p:attrName>
+                                        </p:attrNameLst>
+                                      </p:cBhvr>
+                                      <p:to>
+                                        <p:strVal val="visible"/>
+                                      </p:to>
+                                    </p:set>
+                                  </p:childTnLst>
+                                </p:cTn>
+                              </p:par>
+                            </p:childTnLst>
+                          </p:cTn>
+                        </p:par>
+                      </p:childTnLst>
+                    </p:cTn>
+                  </p:par>
+                  <p:par>
+                    <p:cTn id="11" fill="hold">
+                      <p:stCondLst>
+                        <p:cond delay="indefinite"/>
+                      </p:stCondLst>
+                      <p:childTnLst>
+                        <p:par>
+                          <p:cTn id="12" fill="hold">
+                            <p:stCondLst>
+                              <p:cond delay="0"/>
+                            </p:stCondLst>
+                            <p:childTnLst>
+                              <p:par>
+                                <p:cTn id="13" presetClass="entr" nodeType="clickEffect" presetSubtype="0" presetID="1" grpId="3" fill="hold">
+                                  <p:stCondLst>
+                                    <p:cond delay="0"/>
+                                  </p:stCondLst>
+                                  <p:iterate type="el" backwards="0">
+                                    <p:tmAbs val="0"/>
+                                  </p:iterate>
+                                  <p:childTnLst>
+                                    <p:set>
+                                      <p:cBhvr>
+                                        <p:cTn id="14" fill="hold"/>
+                                        <p:tgtEl>
+                                          <p:spTgt spid="237"/>
+                                        </p:tgtEl>
+                                        <p:attrNameLst>
+                                          <p:attrName>style.visibility</p:attrName>
+                                        </p:attrNameLst>
+                                      </p:cBhvr>
+                                      <p:to>
+                                        <p:strVal val="visible"/>
+                                      </p:to>
+                                    </p:set>
+                                  </p:childTnLst>
+                                </p:cTn>
+                              </p:par>
+                            </p:childTnLst>
+                          </p:cTn>
+                        </p:par>
+                      </p:childTnLst>
+                    </p:cTn>
+                  </p:par>
+                  <p:par>
+                    <p:cTn id="15" fill="hold">
+                      <p:stCondLst>
+                        <p:cond delay="indefinite"/>
+                      </p:stCondLst>
+                      <p:childTnLst>
+                        <p:par>
+                          <p:cTn id="16" fill="hold">
+                            <p:stCondLst>
+                              <p:cond delay="0"/>
+                            </p:stCondLst>
+                            <p:childTnLst>
+                              <p:par>
+                                <p:cTn id="17" presetClass="entr" nodeType="clickEffect" presetSubtype="0" presetID="1" grpId="4" fill="hold">
+                                  <p:stCondLst>
+                                    <p:cond delay="0"/>
+                                  </p:stCondLst>
+                                  <p:iterate type="el" backwards="0">
+                                    <p:tmAbs val="0"/>
+                                  </p:iterate>
+                                  <p:childTnLst>
+                                    <p:set>
+                                      <p:cBhvr>
+                                        <p:cTn id="18" fill="hold"/>
+                                        <p:tgtEl>
+                                          <p:spTgt spid="241"/>
+                                        </p:tgtEl>
+                                        <p:attrNameLst>
+                                          <p:attrName>style.visibility</p:attrName>
+                                        </p:attrNameLst>
+                                      </p:cBhvr>
+                                      <p:to>
+                                        <p:strVal val="visible"/>
+                                      </p:to>
+                                    </p:set>
+                                  </p:childTnLst>
+                                </p:cTn>
+                              </p:par>
+                            </p:childTnLst>
+                          </p:cTn>
+                        </p:par>
+                      </p:childTnLst>
+                    </p:cTn>
+                  </p:par>
+                  <p:par>
+                    <p:cTn id="19" fill="hold">
+                      <p:stCondLst>
+                        <p:cond delay="indefinite"/>
+                      </p:stCondLst>
+                      <p:childTnLst>
+                        <p:par>
+                          <p:cTn id="20" fill="hold">
+                            <p:stCondLst>
+                              <p:cond delay="0"/>
+                            </p:stCondLst>
+                            <p:childTnLst>
+                              <p:par>
+                                <p:cTn id="21" presetClass="entr" nodeType="clickEffect" presetSubtype="0" presetID="1" grpId="5" fill="hold">
+                                  <p:stCondLst>
+                                    <p:cond delay="0"/>
+                                  </p:stCondLst>
+                                  <p:iterate type="el" backwards="0">
+                                    <p:tmAbs val="0"/>
+                                  </p:iterate>
+                                  <p:childTnLst>
+                                    <p:set>
+                                      <p:cBhvr>
+                                        <p:cTn id="22" fill="hold"/>
+                                        <p:tgtEl>
+                                          <p:spTgt spid="240"/>
+                                        </p:tgtEl>
+                                        <p:attrNameLst>
+                                          <p:attrName>style.visibility</p:attrName>
+                                        </p:attrNameLst>
+                                      </p:cBhvr>
+                                      <p:to>
+                                        <p:strVal val="visible"/>
+                                      </p:to>
+                                    </p:set>
+                                  </p:childTnLst>
+                                </p:cTn>
+                              </p:par>
+                            </p:childTnLst>
+                          </p:cTn>
+                        </p:par>
+                      </p:childTnLst>
+                    </p:cTn>
+                  </p:par>
+                  <p:par>
+                    <p:cTn id="23" fill="hold">
+                      <p:stCondLst>
+                        <p:cond delay="indefinite"/>
+                      </p:stCondLst>
+                      <p:childTnLst>
+                        <p:par>
+                          <p:cTn id="24" fill="hold">
+                            <p:stCondLst>
+                              <p:cond delay="0"/>
+                            </p:stCondLst>
+                            <p:childTnLst>
+                              <p:par>
+                                <p:cTn id="25" presetClass="entr" nodeType="clickEffect" presetSubtype="0" presetID="1" grpId="6" fill="hold">
+                                  <p:stCondLst>
+                                    <p:cond delay="0"/>
+                                  </p:stCondLst>
+                                  <p:iterate type="el" backwards="0">
+                                    <p:tmAbs val="0"/>
+                                  </p:iterate>
+                                  <p:childTnLst>
+                                    <p:set>
+                                      <p:cBhvr>
+                                        <p:cTn id="26" fill="hold"/>
+                                        <p:tgtEl>
+                                          <p:spTgt spid="239"/>
+                                        </p:tgtEl>
+                                        <p:attrNameLst>
+                                          <p:attrName>style.visibility</p:attrName>
+                                        </p:attrNameLst>
+                                      </p:cBhvr>
+                                      <p:to>
+                                        <p:strVal val="visible"/>
+                                      </p:to>
+                                    </p:set>
+                                  </p:childTnLst>
+                                </p:cTn>
+                              </p:par>
+                            </p:childTnLst>
+                          </p:cTn>
+                        </p:par>
+                      </p:childTnLst>
+                    </p:cTn>
+                  </p:par>
+                </p:childTnLst>
+              </p:cTn>
+              <p:prevCondLst>
+                <p:cond evt="onPrev">
+                  <p:tgtEl>
+                    <p:sldTgt/>
+                  </p:tgtEl>
+                </p:cond>
+              </p:prevCondLst>
+              <p:nextCondLst>
+                <p:cond evt="onNext">
+                  <p:tgtEl>
+                    <p:sldTgt/>
+                  </p:tgtEl>
+                </p:cond>
+              </p:nextCondLst>
+            </p:seq>
+          </p:childTnLst>
+        </p:cTn>
+      </p:par>
+    </p:tnLst>
+    <p:bldLst>
+      <p:bldP build="whole" bldLvl="1" animBg="1" rev="0" advAuto="0" spid="239" grpId="6"/>
+      <p:bldP build="whole" bldLvl="1" animBg="1" rev="0" advAuto="0" spid="238" grpId="2"/>
+      <p:bldP build="whole" bldLvl="1" animBg="1" rev="0" advAuto="0" spid="241" grpId="4"/>
+      <p:bldP build="whole" bldLvl="1" animBg="1" rev="0" advAuto="0" spid="240" grpId="5"/>
+      <p:bldP build="whole" bldLvl="1" animBg="1" rev="0" advAuto="0" spid="236" grpId="1"/>
+      <p:bldP build="whole" bldLvl="1" animBg="1" rev="0" advAuto="0" spid="237" grpId="3"/>
     </p:bldLst>
   </p:timing>
 </p:sld>
